--- a/Presentations/Presentation_Ass1.pptx
+++ b/Presentations/Presentation_Ass1.pptx
@@ -16,8 +16,10 @@
     <p:sldId id="263" r:id="rId10"/>
     <p:sldId id="264" r:id="rId11"/>
     <p:sldId id="265" r:id="rId12"/>
-    <p:sldId id="266" r:id="rId13"/>
-    <p:sldId id="267" r:id="rId14"/>
+    <p:sldId id="268" r:id="rId13"/>
+    <p:sldId id="269" r:id="rId14"/>
+    <p:sldId id="272" r:id="rId15"/>
+    <p:sldId id="271" r:id="rId16"/>
   </p:sldIdLst>
   <p:sldSz cx="12192000" cy="6858000"/>
   <p:notesSz cx="6858000" cy="9144000"/>
@@ -846,7 +848,7 @@
           <a:p>
             <a:fld id="{B15EC6F6-30F3-41A1-B385-9CB91ECF5BF1}" type="datetimeFigureOut">
               <a:rPr lang="it-IT" smtClean="0"/>
-              <a:t>02/04/2022</a:t>
+              <a:t>23/04/2022</a:t>
             </a:fld>
             <a:endParaRPr lang="it-IT"/>
           </a:p>
@@ -1097,7 +1099,7 @@
           <a:p>
             <a:fld id="{B15EC6F6-30F3-41A1-B385-9CB91ECF5BF1}" type="datetimeFigureOut">
               <a:rPr lang="it-IT" smtClean="0"/>
-              <a:t>02/04/2022</a:t>
+              <a:t>23/04/2022</a:t>
             </a:fld>
             <a:endParaRPr lang="it-IT"/>
           </a:p>
@@ -1411,7 +1413,7 @@
           <a:p>
             <a:fld id="{B15EC6F6-30F3-41A1-B385-9CB91ECF5BF1}" type="datetimeFigureOut">
               <a:rPr lang="it-IT" smtClean="0"/>
-              <a:t>02/04/2022</a:t>
+              <a:t>23/04/2022</a:t>
             </a:fld>
             <a:endParaRPr lang="it-IT"/>
           </a:p>
@@ -1752,7 +1754,7 @@
           <a:p>
             <a:fld id="{B15EC6F6-30F3-41A1-B385-9CB91ECF5BF1}" type="datetimeFigureOut">
               <a:rPr lang="it-IT" smtClean="0"/>
-              <a:t>02/04/2022</a:t>
+              <a:t>23/04/2022</a:t>
             </a:fld>
             <a:endParaRPr lang="it-IT"/>
           </a:p>
@@ -2066,7 +2068,7 @@
           <a:p>
             <a:fld id="{B15EC6F6-30F3-41A1-B385-9CB91ECF5BF1}" type="datetimeFigureOut">
               <a:rPr lang="it-IT" smtClean="0"/>
-              <a:t>02/04/2022</a:t>
+              <a:t>23/04/2022</a:t>
             </a:fld>
             <a:endParaRPr lang="it-IT"/>
           </a:p>
@@ -2459,7 +2461,7 @@
           <a:p>
             <a:fld id="{B15EC6F6-30F3-41A1-B385-9CB91ECF5BF1}" type="datetimeFigureOut">
               <a:rPr lang="it-IT" smtClean="0"/>
-              <a:t>02/04/2022</a:t>
+              <a:t>23/04/2022</a:t>
             </a:fld>
             <a:endParaRPr lang="it-IT"/>
           </a:p>
@@ -2629,7 +2631,7 @@
           <a:p>
             <a:fld id="{B15EC6F6-30F3-41A1-B385-9CB91ECF5BF1}" type="datetimeFigureOut">
               <a:rPr lang="it-IT" smtClean="0"/>
-              <a:t>02/04/2022</a:t>
+              <a:t>23/04/2022</a:t>
             </a:fld>
             <a:endParaRPr lang="it-IT"/>
           </a:p>
@@ -2809,7 +2811,7 @@
           <a:p>
             <a:fld id="{B15EC6F6-30F3-41A1-B385-9CB91ECF5BF1}" type="datetimeFigureOut">
               <a:rPr lang="it-IT" smtClean="0"/>
-              <a:t>02/04/2022</a:t>
+              <a:t>23/04/2022</a:t>
             </a:fld>
             <a:endParaRPr lang="it-IT"/>
           </a:p>
@@ -3096,7 +3098,7 @@
           <a:p>
             <a:fld id="{B15EC6F6-30F3-41A1-B385-9CB91ECF5BF1}" type="datetimeFigureOut">
               <a:rPr lang="it-IT" smtClean="0"/>
-              <a:t>02/04/2022</a:t>
+              <a:t>23/04/2022</a:t>
             </a:fld>
             <a:endParaRPr lang="it-IT"/>
           </a:p>
@@ -3308,7 +3310,7 @@
           <a:p>
             <a:fld id="{B15EC6F6-30F3-41A1-B385-9CB91ECF5BF1}" type="datetimeFigureOut">
               <a:rPr lang="it-IT" smtClean="0"/>
-              <a:t>02/04/2022</a:t>
+              <a:t>23/04/2022</a:t>
             </a:fld>
             <a:endParaRPr lang="it-IT"/>
           </a:p>
@@ -3651,7 +3653,7 @@
           <a:p>
             <a:fld id="{B15EC6F6-30F3-41A1-B385-9CB91ECF5BF1}" type="datetimeFigureOut">
               <a:rPr lang="it-IT" smtClean="0"/>
-              <a:t>02/04/2022</a:t>
+              <a:t>23/04/2022</a:t>
             </a:fld>
             <a:endParaRPr lang="it-IT"/>
           </a:p>
@@ -3865,7 +3867,7 @@
           <a:p>
             <a:fld id="{B15EC6F6-30F3-41A1-B385-9CB91ECF5BF1}" type="datetimeFigureOut">
               <a:rPr lang="it-IT" smtClean="0"/>
-              <a:t>02/04/2022</a:t>
+              <a:t>23/04/2022</a:t>
             </a:fld>
             <a:endParaRPr lang="it-IT"/>
           </a:p>
@@ -4102,7 +4104,7 @@
           <a:p>
             <a:fld id="{B15EC6F6-30F3-41A1-B385-9CB91ECF5BF1}" type="datetimeFigureOut">
               <a:rPr lang="it-IT" smtClean="0"/>
-              <a:t>02/04/2022</a:t>
+              <a:t>23/04/2022</a:t>
             </a:fld>
             <a:endParaRPr lang="it-IT"/>
           </a:p>
@@ -4481,7 +4483,7 @@
           <a:p>
             <a:fld id="{B15EC6F6-30F3-41A1-B385-9CB91ECF5BF1}" type="datetimeFigureOut">
               <a:rPr lang="it-IT" smtClean="0"/>
-              <a:t>02/04/2022</a:t>
+              <a:t>23/04/2022</a:t>
             </a:fld>
             <a:endParaRPr lang="it-IT"/>
           </a:p>
@@ -4599,7 +4601,7 @@
           <a:p>
             <a:fld id="{B15EC6F6-30F3-41A1-B385-9CB91ECF5BF1}" type="datetimeFigureOut">
               <a:rPr lang="it-IT" smtClean="0"/>
-              <a:t>02/04/2022</a:t>
+              <a:t>23/04/2022</a:t>
             </a:fld>
             <a:endParaRPr lang="it-IT"/>
           </a:p>
@@ -4770,7 +4772,7 @@
           <a:p>
             <a:fld id="{B15EC6F6-30F3-41A1-B385-9CB91ECF5BF1}" type="datetimeFigureOut">
               <a:rPr lang="it-IT" smtClean="0"/>
-              <a:t>02/04/2022</a:t>
+              <a:t>23/04/2022</a:t>
             </a:fld>
             <a:endParaRPr lang="it-IT"/>
           </a:p>
@@ -5124,7 +5126,7 @@
           <a:p>
             <a:fld id="{B15EC6F6-30F3-41A1-B385-9CB91ECF5BF1}" type="datetimeFigureOut">
               <a:rPr lang="it-IT" smtClean="0"/>
-              <a:t>02/04/2022</a:t>
+              <a:t>23/04/2022</a:t>
             </a:fld>
             <a:endParaRPr lang="it-IT"/>
           </a:p>
@@ -5506,7 +5508,7 @@
           <a:p>
             <a:fld id="{B15EC6F6-30F3-41A1-B385-9CB91ECF5BF1}" type="datetimeFigureOut">
               <a:rPr lang="it-IT" smtClean="0"/>
-              <a:t>02/04/2022</a:t>
+              <a:t>23/04/2022</a:t>
             </a:fld>
             <a:endParaRPr lang="it-IT"/>
           </a:p>
@@ -5676,7 +5678,7 @@
           <a:p>
             <a:fld id="{B15EC6F6-30F3-41A1-B385-9CB91ECF5BF1}" type="datetimeFigureOut">
               <a:rPr lang="it-IT" smtClean="0"/>
-              <a:t>02/04/2022</a:t>
+              <a:t>23/04/2022</a:t>
             </a:fld>
             <a:endParaRPr lang="it-IT"/>
           </a:p>
@@ -5932,7 +5934,7 @@
           <a:p>
             <a:fld id="{B15EC6F6-30F3-41A1-B385-9CB91ECF5BF1}" type="datetimeFigureOut">
               <a:rPr lang="it-IT" smtClean="0"/>
-              <a:t>02/04/2022</a:t>
+              <a:t>23/04/2022</a:t>
             </a:fld>
             <a:endParaRPr lang="it-IT"/>
           </a:p>
@@ -6179,7 +6181,7 @@
           <a:p>
             <a:fld id="{B15EC6F6-30F3-41A1-B385-9CB91ECF5BF1}" type="datetimeFigureOut">
               <a:rPr lang="it-IT" smtClean="0"/>
-              <a:t>02/04/2022</a:t>
+              <a:t>23/04/2022</a:t>
             </a:fld>
             <a:endParaRPr lang="it-IT"/>
           </a:p>
@@ -6411,7 +6413,7 @@
           <a:p>
             <a:fld id="{B15EC6F6-30F3-41A1-B385-9CB91ECF5BF1}" type="datetimeFigureOut">
               <a:rPr lang="it-IT" smtClean="0"/>
-              <a:t>02/04/2022</a:t>
+              <a:t>23/04/2022</a:t>
             </a:fld>
             <a:endParaRPr lang="it-IT"/>
           </a:p>
@@ -6785,7 +6787,7 @@
           <a:p>
             <a:fld id="{B15EC6F6-30F3-41A1-B385-9CB91ECF5BF1}" type="datetimeFigureOut">
               <a:rPr lang="it-IT" smtClean="0"/>
-              <a:t>02/04/2022</a:t>
+              <a:t>23/04/2022</a:t>
             </a:fld>
             <a:endParaRPr lang="it-IT"/>
           </a:p>
@@ -6908,7 +6910,7 @@
           <a:p>
             <a:fld id="{B15EC6F6-30F3-41A1-B385-9CB91ECF5BF1}" type="datetimeFigureOut">
               <a:rPr lang="it-IT" smtClean="0"/>
-              <a:t>02/04/2022</a:t>
+              <a:t>23/04/2022</a:t>
             </a:fld>
             <a:endParaRPr lang="it-IT"/>
           </a:p>
@@ -7003,7 +7005,7 @@
           <a:p>
             <a:fld id="{B15EC6F6-30F3-41A1-B385-9CB91ECF5BF1}" type="datetimeFigureOut">
               <a:rPr lang="it-IT" smtClean="0"/>
-              <a:t>02/04/2022</a:t>
+              <a:t>23/04/2022</a:t>
             </a:fld>
             <a:endParaRPr lang="it-IT"/>
           </a:p>
@@ -7258,7 +7260,7 @@
           <a:p>
             <a:fld id="{B15EC6F6-30F3-41A1-B385-9CB91ECF5BF1}" type="datetimeFigureOut">
               <a:rPr lang="it-IT" smtClean="0"/>
-              <a:t>02/04/2022</a:t>
+              <a:t>23/04/2022</a:t>
             </a:fld>
             <a:endParaRPr lang="it-IT"/>
           </a:p>
@@ -7521,7 +7523,7 @@
           <a:p>
             <a:fld id="{B15EC6F6-30F3-41A1-B385-9CB91ECF5BF1}" type="datetimeFigureOut">
               <a:rPr lang="it-IT" smtClean="0"/>
-              <a:t>02/04/2022</a:t>
+              <a:t>23/04/2022</a:t>
             </a:fld>
             <a:endParaRPr lang="it-IT"/>
           </a:p>
@@ -8264,7 +8266,7 @@
           <a:p>
             <a:fld id="{B15EC6F6-30F3-41A1-B385-9CB91ECF5BF1}" type="datetimeFigureOut">
               <a:rPr lang="it-IT" smtClean="0"/>
-              <a:t>02/04/2022</a:t>
+              <a:t>23/04/2022</a:t>
             </a:fld>
             <a:endParaRPr lang="it-IT"/>
           </a:p>
@@ -8997,7 +8999,7 @@
           <a:p>
             <a:fld id="{B15EC6F6-30F3-41A1-B385-9CB91ECF5BF1}" type="datetimeFigureOut">
               <a:rPr lang="it-IT" smtClean="0"/>
-              <a:t>02/04/2022</a:t>
+              <a:t>23/04/2022</a:t>
             </a:fld>
             <a:endParaRPr lang="it-IT"/>
           </a:p>
@@ -9763,144 +9765,49 @@
           <a:chExt cx="0" cy="0"/>
         </a:xfrm>
       </p:grpSpPr>
-      <mc:AlternateContent xmlns:mc="http://schemas.openxmlformats.org/markup-compatibility/2006" xmlns:a14="http://schemas.microsoft.com/office/drawing/2010/main">
-        <mc:Choice Requires="a14">
-          <p:sp>
-            <p:nvSpPr>
-              <p:cNvPr id="2" name="Titolo 1">
-                <a:extLst>
-                  <a:ext uri="{FF2B5EF4-FFF2-40B4-BE49-F238E27FC236}">
-                    <a16:creationId xmlns:a16="http://schemas.microsoft.com/office/drawing/2014/main" id="{CA2527DC-3481-4447-9D0B-F2D617985392}"/>
-                  </a:ext>
-                </a:extLst>
-              </p:cNvPr>
-              <p:cNvSpPr>
-                <a:spLocks noGrp="1"/>
-              </p:cNvSpPr>
-              <p:nvPr>
-                <p:ph type="title"/>
-              </p:nvPr>
-            </p:nvSpPr>
-            <p:spPr/>
-            <p:txBody>
-              <a:bodyPr/>
-              <a:lstStyle/>
-              <a:p>
-                <a:pPr/>
-                <a14:m>
-                  <m:oMathPara xmlns:m="http://schemas.openxmlformats.org/officeDocument/2006/math">
-                    <m:oMathParaPr>
-                      <m:jc m:val="centerGroup"/>
-                    </m:oMathParaPr>
-                    <m:oMath xmlns:m="http://schemas.openxmlformats.org/officeDocument/2006/math">
-                      <m:r>
-                        <a:rPr lang="it-IT" i="1" smtClean="0">
-                          <a:solidFill>
-                            <a:schemeClr val="accent1"/>
-                          </a:solidFill>
-                          <a:latin typeface="Cambria Math" panose="02040503050406030204" pitchFamily="18" charset="0"/>
-                        </a:rPr>
-                        <m:t>𝛼</m:t>
-                      </m:r>
-                      <m:r>
-                        <a:rPr lang="it-IT" i="1" smtClean="0">
-                          <a:solidFill>
-                            <a:schemeClr val="accent1"/>
-                          </a:solidFill>
-                          <a:latin typeface="Cambria Math" panose="02040503050406030204" pitchFamily="18" charset="0"/>
-                        </a:rPr>
-                        <m:t>=0,05  </m:t>
-                      </m:r>
-                      <m:r>
-                        <a:rPr lang="it-IT" i="1">
-                          <a:solidFill>
-                            <a:schemeClr val="accent1"/>
-                          </a:solidFill>
-                          <a:latin typeface="Cambria Math" panose="02040503050406030204" pitchFamily="18" charset="0"/>
-                        </a:rPr>
-                        <m:t>𝜖</m:t>
-                      </m:r>
-                      <m:r>
-                        <a:rPr lang="it-IT" i="1">
-                          <a:solidFill>
-                            <a:schemeClr val="accent1"/>
-                          </a:solidFill>
-                          <a:latin typeface="Cambria Math" panose="02040503050406030204" pitchFamily="18" charset="0"/>
-                        </a:rPr>
-                        <m:t>=0,1  </m:t>
-                      </m:r>
-                      <m:r>
-                        <a:rPr lang="it-IT" i="1">
-                          <a:solidFill>
-                            <a:schemeClr val="accent1"/>
-                          </a:solidFill>
-                          <a:latin typeface="Cambria Math" panose="02040503050406030204" pitchFamily="18" charset="0"/>
-                        </a:rPr>
-                        <m:t>𝑐</m:t>
-                      </m:r>
-                      <m:r>
-                        <a:rPr lang="it-IT" i="1">
-                          <a:solidFill>
-                            <a:schemeClr val="accent1"/>
-                          </a:solidFill>
-                          <a:latin typeface="Cambria Math" panose="02040503050406030204" pitchFamily="18" charset="0"/>
-                        </a:rPr>
-                        <m:t>=1</m:t>
-                      </m:r>
-                    </m:oMath>
-                  </m:oMathPara>
-                </a14:m>
-                <a:endParaRPr lang="it-IT" dirty="0"/>
-              </a:p>
-            </p:txBody>
-          </p:sp>
-        </mc:Choice>
-        <mc:Fallback xmlns="">
-          <p:sp>
-            <p:nvSpPr>
-              <p:cNvPr id="2" name="Titolo 1">
-                <a:extLst>
-                  <a:ext uri="{FF2B5EF4-FFF2-40B4-BE49-F238E27FC236}">
-                    <a16:creationId xmlns:a16="http://schemas.microsoft.com/office/drawing/2014/main" id="{CA2527DC-3481-4447-9D0B-F2D617985392}"/>
-                  </a:ext>
-                </a:extLst>
-              </p:cNvPr>
-              <p:cNvSpPr>
-                <a:spLocks noGrp="1" noRot="1" noChangeAspect="1" noMove="1" noResize="1" noEditPoints="1" noAdjustHandles="1" noChangeArrowheads="1" noChangeShapeType="1" noTextEdit="1"/>
-              </p:cNvSpPr>
-              <p:nvPr>
-                <p:ph type="title"/>
-              </p:nvPr>
-            </p:nvSpPr>
-            <p:spPr>
-              <a:blipFill>
-                <a:blip r:embed="rId2"/>
-                <a:stretch>
-                  <a:fillRect/>
-                </a:stretch>
-              </a:blipFill>
-            </p:spPr>
-            <p:txBody>
-              <a:bodyPr/>
-              <a:lstStyle/>
-              <a:p>
-                <a:r>
-                  <a:rPr lang="it-IT">
-                    <a:noFill/>
-                  </a:rPr>
-                  <a:t> </a:t>
-                </a:r>
-              </a:p>
-            </p:txBody>
-          </p:sp>
-        </mc:Fallback>
-      </mc:AlternateContent>
+      <p:sp>
+        <p:nvSpPr>
+          <p:cNvPr id="5" name="Titolo 4">
+            <a:extLst>
+              <a:ext uri="{FF2B5EF4-FFF2-40B4-BE49-F238E27FC236}">
+                <a16:creationId xmlns:a16="http://schemas.microsoft.com/office/drawing/2014/main" id="{B2799EA3-CD59-4B64-A5FE-19E79056006D}"/>
+              </a:ext>
+            </a:extLst>
+          </p:cNvPr>
+          <p:cNvSpPr>
+            <a:spLocks noGrp="1"/>
+          </p:cNvSpPr>
+          <p:nvPr>
+            <p:ph type="title"/>
+          </p:nvPr>
+        </p:nvSpPr>
+        <p:spPr>
+          <a:xfrm>
+            <a:off x="1066800" y="381663"/>
+            <a:ext cx="10058400" cy="1021743"/>
+          </a:xfrm>
+        </p:spPr>
+        <p:txBody>
+          <a:bodyPr/>
+          <a:lstStyle/>
+          <a:p>
+            <a:r>
+              <a:rPr lang="it-IT" b="1" dirty="0">
+                <a:solidFill>
+                  <a:schemeClr val="accent1"/>
+                </a:solidFill>
+              </a:rPr>
+              <a:t>UCB</a:t>
+            </a:r>
+          </a:p>
+        </p:txBody>
+      </p:sp>
       <p:pic>
         <p:nvPicPr>
-          <p:cNvPr id="5" name="Segnaposto contenuto 4">
+          <p:cNvPr id="4" name="Segnaposto contenuto 3">
             <a:extLst>
               <a:ext uri="{FF2B5EF4-FFF2-40B4-BE49-F238E27FC236}">
-                <a16:creationId xmlns:a16="http://schemas.microsoft.com/office/drawing/2014/main" id="{DFBC3537-A140-4EFF-83C9-A88B16134243}"/>
+                <a16:creationId xmlns:a16="http://schemas.microsoft.com/office/drawing/2014/main" id="{F3694A27-31C1-415D-8CCD-8819E63D88FB}"/>
               </a:ext>
             </a:extLst>
           </p:cNvPr>
@@ -9912,7 +9819,7 @@
           </p:nvPr>
         </p:nvPicPr>
         <p:blipFill>
-          <a:blip r:embed="rId3">
+          <a:blip r:embed="rId2">
             <a:extLst>
               <a:ext uri="{28A0092B-C50C-407E-A947-70E740481C1C}">
                 <a14:useLocalDpi xmlns:a14="http://schemas.microsoft.com/office/drawing/2010/main" val="0"/>
@@ -9925,15 +9832,15 @@
         </p:blipFill>
         <p:spPr>
           <a:xfrm>
-            <a:off x="1237509" y="1944839"/>
-            <a:ext cx="9777307" cy="3825572"/>
+            <a:off x="2193164" y="1846263"/>
+            <a:ext cx="7865997" cy="4022725"/>
           </a:xfrm>
         </p:spPr>
       </p:pic>
     </p:spTree>
     <p:extLst>
       <p:ext uri="{BB962C8B-B14F-4D97-AF65-F5344CB8AC3E}">
-        <p14:creationId xmlns:p14="http://schemas.microsoft.com/office/powerpoint/2010/main" val="2613023228"/>
+        <p14:creationId xmlns:p14="http://schemas.microsoft.com/office/powerpoint/2010/main" val="2456862018"/>
       </p:ext>
     </p:extLst>
   </p:cSld>
@@ -9960,144 +9867,49 @@
           <a:chExt cx="0" cy="0"/>
         </a:xfrm>
       </p:grpSpPr>
-      <mc:AlternateContent xmlns:mc="http://schemas.openxmlformats.org/markup-compatibility/2006" xmlns:a14="http://schemas.microsoft.com/office/drawing/2010/main">
-        <mc:Choice Requires="a14">
-          <p:sp>
-            <p:nvSpPr>
-              <p:cNvPr id="2" name="Titolo 1">
-                <a:extLst>
-                  <a:ext uri="{FF2B5EF4-FFF2-40B4-BE49-F238E27FC236}">
-                    <a16:creationId xmlns:a16="http://schemas.microsoft.com/office/drawing/2014/main" id="{CA2527DC-3481-4447-9D0B-F2D617985392}"/>
-                  </a:ext>
-                </a:extLst>
-              </p:cNvPr>
-              <p:cNvSpPr>
-                <a:spLocks noGrp="1"/>
-              </p:cNvSpPr>
-              <p:nvPr>
-                <p:ph type="title"/>
-              </p:nvPr>
-            </p:nvSpPr>
-            <p:spPr/>
-            <p:txBody>
-              <a:bodyPr/>
-              <a:lstStyle/>
-              <a:p>
-                <a:pPr/>
-                <a14:m>
-                  <m:oMathPara xmlns:m="http://schemas.openxmlformats.org/officeDocument/2006/math">
-                    <m:oMathParaPr>
-                      <m:jc m:val="centerGroup"/>
-                    </m:oMathParaPr>
-                    <m:oMath xmlns:m="http://schemas.openxmlformats.org/officeDocument/2006/math">
-                      <m:r>
-                        <a:rPr lang="it-IT" i="1" smtClean="0">
-                          <a:solidFill>
-                            <a:schemeClr val="accent1"/>
-                          </a:solidFill>
-                          <a:latin typeface="Cambria Math" panose="02040503050406030204" pitchFamily="18" charset="0"/>
-                        </a:rPr>
-                        <m:t>𝛼</m:t>
-                      </m:r>
-                      <m:r>
-                        <a:rPr lang="it-IT" i="1" smtClean="0">
-                          <a:solidFill>
-                            <a:schemeClr val="accent1"/>
-                          </a:solidFill>
-                          <a:latin typeface="Cambria Math" panose="02040503050406030204" pitchFamily="18" charset="0"/>
-                        </a:rPr>
-                        <m:t>=0,2  </m:t>
-                      </m:r>
-                      <m:r>
-                        <a:rPr lang="it-IT" i="1">
-                          <a:solidFill>
-                            <a:schemeClr val="accent1"/>
-                          </a:solidFill>
-                          <a:latin typeface="Cambria Math" panose="02040503050406030204" pitchFamily="18" charset="0"/>
-                        </a:rPr>
-                        <m:t>𝜖</m:t>
-                      </m:r>
-                      <m:r>
-                        <a:rPr lang="it-IT" i="1">
-                          <a:solidFill>
-                            <a:schemeClr val="accent1"/>
-                          </a:solidFill>
-                          <a:latin typeface="Cambria Math" panose="02040503050406030204" pitchFamily="18" charset="0"/>
-                        </a:rPr>
-                        <m:t>=0,1  </m:t>
-                      </m:r>
-                      <m:r>
-                        <a:rPr lang="it-IT" i="1">
-                          <a:solidFill>
-                            <a:schemeClr val="accent1"/>
-                          </a:solidFill>
-                          <a:latin typeface="Cambria Math" panose="02040503050406030204" pitchFamily="18" charset="0"/>
-                        </a:rPr>
-                        <m:t>𝑐</m:t>
-                      </m:r>
-                      <m:r>
-                        <a:rPr lang="it-IT" i="1">
-                          <a:solidFill>
-                            <a:schemeClr val="accent1"/>
-                          </a:solidFill>
-                          <a:latin typeface="Cambria Math" panose="02040503050406030204" pitchFamily="18" charset="0"/>
-                        </a:rPr>
-                        <m:t>=1</m:t>
-                      </m:r>
-                    </m:oMath>
-                  </m:oMathPara>
-                </a14:m>
-                <a:endParaRPr lang="it-IT" dirty="0"/>
-              </a:p>
-            </p:txBody>
-          </p:sp>
-        </mc:Choice>
-        <mc:Fallback xmlns="">
-          <p:sp>
-            <p:nvSpPr>
-              <p:cNvPr id="2" name="Titolo 1">
-                <a:extLst>
-                  <a:ext uri="{FF2B5EF4-FFF2-40B4-BE49-F238E27FC236}">
-                    <a16:creationId xmlns:a16="http://schemas.microsoft.com/office/drawing/2014/main" id="{CA2527DC-3481-4447-9D0B-F2D617985392}"/>
-                  </a:ext>
-                </a:extLst>
-              </p:cNvPr>
-              <p:cNvSpPr>
-                <a:spLocks noGrp="1" noRot="1" noChangeAspect="1" noMove="1" noResize="1" noEditPoints="1" noAdjustHandles="1" noChangeArrowheads="1" noChangeShapeType="1" noTextEdit="1"/>
-              </p:cNvSpPr>
-              <p:nvPr>
-                <p:ph type="title"/>
-              </p:nvPr>
-            </p:nvSpPr>
-            <p:spPr>
-              <a:blipFill>
-                <a:blip r:embed="rId2"/>
-                <a:stretch>
-                  <a:fillRect/>
-                </a:stretch>
-              </a:blipFill>
-            </p:spPr>
-            <p:txBody>
-              <a:bodyPr/>
-              <a:lstStyle/>
-              <a:p>
-                <a:r>
-                  <a:rPr lang="it-IT">
-                    <a:noFill/>
-                  </a:rPr>
-                  <a:t> </a:t>
-                </a:r>
-              </a:p>
-            </p:txBody>
-          </p:sp>
-        </mc:Fallback>
-      </mc:AlternateContent>
+      <p:sp>
+        <p:nvSpPr>
+          <p:cNvPr id="5" name="Titolo 4">
+            <a:extLst>
+              <a:ext uri="{FF2B5EF4-FFF2-40B4-BE49-F238E27FC236}">
+                <a16:creationId xmlns:a16="http://schemas.microsoft.com/office/drawing/2014/main" id="{B2799EA3-CD59-4B64-A5FE-19E79056006D}"/>
+              </a:ext>
+            </a:extLst>
+          </p:cNvPr>
+          <p:cNvSpPr>
+            <a:spLocks noGrp="1"/>
+          </p:cNvSpPr>
+          <p:nvPr>
+            <p:ph type="title"/>
+          </p:nvPr>
+        </p:nvSpPr>
+        <p:spPr>
+          <a:xfrm>
+            <a:off x="1066800" y="381663"/>
+            <a:ext cx="10058400" cy="1021743"/>
+          </a:xfrm>
+        </p:spPr>
+        <p:txBody>
+          <a:bodyPr/>
+          <a:lstStyle/>
+          <a:p>
+            <a:r>
+              <a:rPr lang="it-IT" b="1" dirty="0">
+                <a:solidFill>
+                  <a:schemeClr val="accent1"/>
+                </a:solidFill>
+              </a:rPr>
+              <a:t>Confronto tra i metodi</a:t>
+            </a:r>
+          </a:p>
+        </p:txBody>
+      </p:sp>
       <p:pic>
         <p:nvPicPr>
-          <p:cNvPr id="5" name="Segnaposto contenuto 4">
+          <p:cNvPr id="4" name="Segnaposto contenuto 3">
             <a:extLst>
               <a:ext uri="{FF2B5EF4-FFF2-40B4-BE49-F238E27FC236}">
-                <a16:creationId xmlns:a16="http://schemas.microsoft.com/office/drawing/2014/main" id="{1A0905B2-95A8-47EC-90AC-269E132F7951}"/>
+                <a16:creationId xmlns:a16="http://schemas.microsoft.com/office/drawing/2014/main" id="{C4ADE100-B423-4F6D-879E-5C1D57FD1761}"/>
               </a:ext>
             </a:extLst>
           </p:cNvPr>
@@ -10109,7 +9921,7 @@
           </p:nvPr>
         </p:nvPicPr>
         <p:blipFill>
-          <a:blip r:embed="rId3">
+          <a:blip r:embed="rId2">
             <a:extLst>
               <a:ext uri="{28A0092B-C50C-407E-A947-70E740481C1C}">
                 <a14:useLocalDpi xmlns:a14="http://schemas.microsoft.com/office/drawing/2010/main" val="0"/>
@@ -10122,15 +9934,15 @@
         </p:blipFill>
         <p:spPr>
           <a:xfrm>
-            <a:off x="1248940" y="1921978"/>
-            <a:ext cx="9754445" cy="3871295"/>
+            <a:off x="2220726" y="1846263"/>
+            <a:ext cx="7810874" cy="4022725"/>
           </a:xfrm>
         </p:spPr>
       </p:pic>
     </p:spTree>
     <p:extLst>
       <p:ext uri="{BB962C8B-B14F-4D97-AF65-F5344CB8AC3E}">
-        <p14:creationId xmlns:p14="http://schemas.microsoft.com/office/powerpoint/2010/main" val="4105714273"/>
+        <p14:creationId xmlns:p14="http://schemas.microsoft.com/office/powerpoint/2010/main" val="1098450468"/>
       </p:ext>
     </p:extLst>
   </p:cSld>
@@ -10157,171 +9969,49 @@
           <a:chExt cx="0" cy="0"/>
         </a:xfrm>
       </p:grpSpPr>
-      <mc:AlternateContent xmlns:mc="http://schemas.openxmlformats.org/markup-compatibility/2006" xmlns:a14="http://schemas.microsoft.com/office/drawing/2010/main">
-        <mc:Choice Requires="a14">
-          <p:sp>
-            <p:nvSpPr>
-              <p:cNvPr id="2" name="Titolo 1">
-                <a:extLst>
-                  <a:ext uri="{FF2B5EF4-FFF2-40B4-BE49-F238E27FC236}">
-                    <a16:creationId xmlns:a16="http://schemas.microsoft.com/office/drawing/2014/main" id="{CA2527DC-3481-4447-9D0B-F2D617985392}"/>
-                  </a:ext>
-                </a:extLst>
-              </p:cNvPr>
-              <p:cNvSpPr>
-                <a:spLocks noGrp="1"/>
-              </p:cNvSpPr>
-              <p:nvPr>
-                <p:ph type="title"/>
-              </p:nvPr>
-            </p:nvSpPr>
-            <p:spPr/>
-            <p:txBody>
-              <a:bodyPr/>
-              <a:lstStyle/>
-              <a:p>
-                <a:pPr/>
-                <a14:m>
-                  <m:oMathPara xmlns:m="http://schemas.openxmlformats.org/officeDocument/2006/math">
-                    <m:oMathParaPr>
-                      <m:jc m:val="centerGroup"/>
-                    </m:oMathParaPr>
-                    <m:oMath xmlns:m="http://schemas.openxmlformats.org/officeDocument/2006/math">
-                      <m:r>
-                        <a:rPr lang="it-IT" b="0" i="1" smtClean="0">
-                          <a:solidFill>
-                            <a:schemeClr val="accent1"/>
-                          </a:solidFill>
-                          <a:latin typeface="Cambria Math" panose="02040503050406030204" pitchFamily="18" charset="0"/>
-                        </a:rPr>
-                        <m:t>𝐴𝑛𝑑𝑎𝑚𝑒𝑛𝑡𝑜</m:t>
-                      </m:r>
-                      <m:r>
-                        <a:rPr lang="it-IT" b="0" i="1" smtClean="0">
-                          <a:solidFill>
-                            <a:schemeClr val="accent1"/>
-                          </a:solidFill>
-                          <a:latin typeface="Cambria Math" panose="02040503050406030204" pitchFamily="18" charset="0"/>
-                        </a:rPr>
-                        <m:t> </m:t>
-                      </m:r>
-                      <m:r>
-                        <a:rPr lang="it-IT" b="0" i="1" smtClean="0">
-                          <a:solidFill>
-                            <a:schemeClr val="accent1"/>
-                          </a:solidFill>
-                          <a:latin typeface="Cambria Math" panose="02040503050406030204" pitchFamily="18" charset="0"/>
-                        </a:rPr>
-                        <m:t>𝑠𝑡𝑖𝑚</m:t>
-                      </m:r>
-                      <m:r>
-                        <a:rPr lang="it-IT" b="0" i="1" smtClean="0">
-                          <a:solidFill>
-                            <a:schemeClr val="accent1"/>
-                          </a:solidFill>
-                          <a:latin typeface="Cambria Math" panose="02040503050406030204" pitchFamily="18" charset="0"/>
-                        </a:rPr>
-                        <m:t> </m:t>
-                      </m:r>
-                      <m:r>
-                        <a:rPr lang="it-IT" b="0" i="1" smtClean="0">
-                          <a:solidFill>
-                            <a:schemeClr val="accent1"/>
-                          </a:solidFill>
-                          <a:latin typeface="Cambria Math" panose="02040503050406030204" pitchFamily="18" charset="0"/>
-                        </a:rPr>
-                        <m:t>𝑉𝑆</m:t>
-                      </m:r>
-                      <m:r>
-                        <a:rPr lang="it-IT" b="0" i="1" smtClean="0">
-                          <a:solidFill>
-                            <a:schemeClr val="accent1"/>
-                          </a:solidFill>
-                          <a:latin typeface="Cambria Math" panose="02040503050406030204" pitchFamily="18" charset="0"/>
-                        </a:rPr>
-                        <m:t> </m:t>
-                      </m:r>
-                      <m:r>
-                        <a:rPr lang="it-IT" b="0" i="1" smtClean="0">
-                          <a:solidFill>
-                            <a:schemeClr val="accent1"/>
-                          </a:solidFill>
-                          <a:latin typeface="Cambria Math" panose="02040503050406030204" pitchFamily="18" charset="0"/>
-                        </a:rPr>
-                        <m:t>𝑚𝑒𝑑𝑖𝑎</m:t>
-                      </m:r>
-                      <m:r>
-                        <a:rPr lang="it-IT" b="0" i="1" smtClean="0">
-                          <a:solidFill>
-                            <a:schemeClr val="accent1"/>
-                          </a:solidFill>
-                          <a:latin typeface="Cambria Math" panose="02040503050406030204" pitchFamily="18" charset="0"/>
-                        </a:rPr>
-                        <m:t> </m:t>
-                      </m:r>
-                      <m:r>
-                        <a:rPr lang="it-IT" b="0" i="1" smtClean="0">
-                          <a:solidFill>
-                            <a:schemeClr val="accent1"/>
-                          </a:solidFill>
-                          <a:latin typeface="Cambria Math" panose="02040503050406030204" pitchFamily="18" charset="0"/>
-                        </a:rPr>
-                        <m:t>𝑣𝑒𝑟𝑎</m:t>
-                      </m:r>
-                    </m:oMath>
-                  </m:oMathPara>
-                </a14:m>
-                <a:endParaRPr lang="it-IT" dirty="0"/>
-              </a:p>
-            </p:txBody>
-          </p:sp>
-        </mc:Choice>
-        <mc:Fallback xmlns="">
-          <p:sp>
-            <p:nvSpPr>
-              <p:cNvPr id="2" name="Titolo 1">
-                <a:extLst>
-                  <a:ext uri="{FF2B5EF4-FFF2-40B4-BE49-F238E27FC236}">
-                    <a16:creationId xmlns:a16="http://schemas.microsoft.com/office/drawing/2014/main" id="{CA2527DC-3481-4447-9D0B-F2D617985392}"/>
-                  </a:ext>
-                </a:extLst>
-              </p:cNvPr>
-              <p:cNvSpPr>
-                <a:spLocks noGrp="1" noRot="1" noChangeAspect="1" noMove="1" noResize="1" noEditPoints="1" noAdjustHandles="1" noChangeArrowheads="1" noChangeShapeType="1" noTextEdit="1"/>
-              </p:cNvSpPr>
-              <p:nvPr>
-                <p:ph type="title"/>
-              </p:nvPr>
-            </p:nvSpPr>
-            <p:spPr>
-              <a:blipFill>
-                <a:blip r:embed="rId2"/>
-                <a:stretch>
-                  <a:fillRect/>
-                </a:stretch>
-              </a:blipFill>
-            </p:spPr>
-            <p:txBody>
-              <a:bodyPr/>
-              <a:lstStyle/>
-              <a:p>
-                <a:r>
-                  <a:rPr lang="it-IT">
-                    <a:noFill/>
-                  </a:rPr>
-                  <a:t> </a:t>
-                </a:r>
-              </a:p>
-            </p:txBody>
-          </p:sp>
-        </mc:Fallback>
-      </mc:AlternateContent>
+      <p:sp>
+        <p:nvSpPr>
+          <p:cNvPr id="5" name="Titolo 4">
+            <a:extLst>
+              <a:ext uri="{FF2B5EF4-FFF2-40B4-BE49-F238E27FC236}">
+                <a16:creationId xmlns:a16="http://schemas.microsoft.com/office/drawing/2014/main" id="{B2799EA3-CD59-4B64-A5FE-19E79056006D}"/>
+              </a:ext>
+            </a:extLst>
+          </p:cNvPr>
+          <p:cNvSpPr>
+            <a:spLocks noGrp="1"/>
+          </p:cNvSpPr>
+          <p:nvPr>
+            <p:ph type="title"/>
+          </p:nvPr>
+        </p:nvSpPr>
+        <p:spPr>
+          <a:xfrm>
+            <a:off x="1066800" y="381663"/>
+            <a:ext cx="10058400" cy="1021743"/>
+          </a:xfrm>
+        </p:spPr>
+        <p:txBody>
+          <a:bodyPr/>
+          <a:lstStyle/>
+          <a:p>
+            <a:r>
+              <a:rPr lang="it-IT" b="1" dirty="0">
+                <a:solidFill>
+                  <a:schemeClr val="accent1"/>
+                </a:solidFill>
+              </a:rPr>
+              <a:t>Confronto tra i metodi</a:t>
+            </a:r>
+          </a:p>
+        </p:txBody>
+      </p:sp>
       <p:pic>
         <p:nvPicPr>
-          <p:cNvPr id="7" name="Segnaposto contenuto 6">
+          <p:cNvPr id="4" name="Segnaposto contenuto 3">
             <a:extLst>
               <a:ext uri="{FF2B5EF4-FFF2-40B4-BE49-F238E27FC236}">
-                <a16:creationId xmlns:a16="http://schemas.microsoft.com/office/drawing/2014/main" id="{062D8E02-13D1-4B48-AEB1-EB5ED483FB4F}"/>
+                <a16:creationId xmlns:a16="http://schemas.microsoft.com/office/drawing/2014/main" id="{6454124D-DB77-45C3-A578-1EAC9523E33C}"/>
               </a:ext>
             </a:extLst>
           </p:cNvPr>
@@ -10333,7 +10023,7 @@
           </p:nvPr>
         </p:nvPicPr>
         <p:blipFill>
-          <a:blip r:embed="rId3">
+          <a:blip r:embed="rId2">
             <a:extLst>
               <a:ext uri="{28A0092B-C50C-407E-A947-70E740481C1C}">
                 <a14:useLocalDpi xmlns:a14="http://schemas.microsoft.com/office/drawing/2010/main" val="0"/>
@@ -10346,55 +10036,249 @@
         </p:blipFill>
         <p:spPr>
           <a:xfrm>
-            <a:off x="2479264" y="1846263"/>
-            <a:ext cx="7293798" cy="4022725"/>
+            <a:off x="2213376" y="1846263"/>
+            <a:ext cx="7825573" cy="4022725"/>
           </a:xfrm>
         </p:spPr>
       </p:pic>
-      <p:sp>
-        <p:nvSpPr>
-          <p:cNvPr id="8" name="CasellaDiTesto 7">
+    </p:spTree>
+    <p:extLst>
+      <p:ext uri="{BB962C8B-B14F-4D97-AF65-F5344CB8AC3E}">
+        <p14:creationId xmlns:p14="http://schemas.microsoft.com/office/powerpoint/2010/main" val="727403872"/>
+      </p:ext>
+    </p:extLst>
+  </p:cSld>
+  <p:clrMapOvr>
+    <a:masterClrMapping/>
+  </p:clrMapOvr>
+</p:sld>
+</file>
+
+<file path=ppt/slides/slide13.xml><?xml version="1.0" encoding="utf-8"?>
+<p:sld xmlns:a="http://schemas.openxmlformats.org/drawingml/2006/main" xmlns:r="http://schemas.openxmlformats.org/officeDocument/2006/relationships" xmlns:p="http://schemas.openxmlformats.org/presentationml/2006/main">
+  <p:cSld>
+    <p:spTree>
+      <p:nvGrpSpPr>
+        <p:cNvPr id="1" name=""/>
+        <p:cNvGrpSpPr/>
+        <p:nvPr/>
+      </p:nvGrpSpPr>
+      <p:grpSpPr>
+        <a:xfrm>
+          <a:off x="0" y="0"/>
+          <a:ext cx="0" cy="0"/>
+          <a:chOff x="0" y="0"/>
+          <a:chExt cx="0" cy="0"/>
+        </a:xfrm>
+      </p:grpSpPr>
+      <p:sp>
+        <p:nvSpPr>
+          <p:cNvPr id="5" name="Titolo 4">
             <a:extLst>
               <a:ext uri="{FF2B5EF4-FFF2-40B4-BE49-F238E27FC236}">
-                <a16:creationId xmlns:a16="http://schemas.microsoft.com/office/drawing/2014/main" id="{81C91DF4-9B9B-4274-B41F-C7FAE0F156B2}"/>
+                <a16:creationId xmlns:a16="http://schemas.microsoft.com/office/drawing/2014/main" id="{B2799EA3-CD59-4B64-A5FE-19E79056006D}"/>
               </a:ext>
             </a:extLst>
           </p:cNvPr>
-          <p:cNvSpPr txBox="1"/>
-          <p:nvPr/>
+          <p:cNvSpPr>
+            <a:spLocks noGrp="1"/>
+          </p:cNvSpPr>
+          <p:nvPr>
+            <p:ph type="title"/>
+          </p:nvPr>
         </p:nvSpPr>
         <p:spPr>
           <a:xfrm>
-            <a:off x="580447" y="2584174"/>
-            <a:ext cx="1614114" cy="646331"/>
+            <a:off x="1066800" y="381663"/>
+            <a:ext cx="10058400" cy="1021743"/>
           </a:xfrm>
-          <a:prstGeom prst="rect">
-            <a:avLst/>
-          </a:prstGeom>
-          <a:noFill/>
         </p:spPr>
         <p:txBody>
-          <a:bodyPr wrap="square" rtlCol="0">
-            <a:spAutoFit/>
+          <a:bodyPr>
+            <a:normAutofit fontScale="90000"/>
           </a:bodyPr>
           <a:lstStyle/>
           <a:p>
             <a:r>
-              <a:rPr lang="it-IT" dirty="0"/>
-              <a:t>Considerando solo un </a:t>
-            </a:r>
-            <a:r>
-              <a:rPr lang="it-IT" dirty="0" err="1"/>
-              <a:t>bandit</a:t>
-            </a:r>
-            <a:endParaRPr lang="it-IT" dirty="0"/>
-          </a:p>
-        </p:txBody>
-      </p:sp>
+              <a:rPr lang="it-IT" b="1" dirty="0">
+                <a:solidFill>
+                  <a:schemeClr val="accent1"/>
+                </a:solidFill>
+              </a:rPr>
+              <a:t>Confronto tra i metodi senza random </a:t>
+            </a:r>
+            <a:r>
+              <a:rPr lang="it-IT" b="1" dirty="0" err="1">
+                <a:solidFill>
+                  <a:schemeClr val="accent1"/>
+                </a:solidFill>
+              </a:rPr>
+              <a:t>walks</a:t>
+            </a:r>
+            <a:endParaRPr lang="it-IT" b="1" dirty="0">
+              <a:solidFill>
+                <a:schemeClr val="accent1"/>
+              </a:solidFill>
+            </a:endParaRPr>
+          </a:p>
+        </p:txBody>
+      </p:sp>
+      <p:pic>
+        <p:nvPicPr>
+          <p:cNvPr id="4" name="Segnaposto contenuto 3">
+            <a:extLst>
+              <a:ext uri="{FF2B5EF4-FFF2-40B4-BE49-F238E27FC236}">
+                <a16:creationId xmlns:a16="http://schemas.microsoft.com/office/drawing/2014/main" id="{E11D43BF-8B13-4796-BEB6-73DD3849DC4D}"/>
+              </a:ext>
+            </a:extLst>
+          </p:cNvPr>
+          <p:cNvPicPr>
+            <a:picLocks noGrp="1" noChangeAspect="1"/>
+          </p:cNvPicPr>
+          <p:nvPr>
+            <p:ph idx="1"/>
+          </p:nvPr>
+        </p:nvPicPr>
+        <p:blipFill>
+          <a:blip r:embed="rId2">
+            <a:extLst>
+              <a:ext uri="{28A0092B-C50C-407E-A947-70E740481C1C}">
+                <a14:useLocalDpi xmlns:a14="http://schemas.microsoft.com/office/drawing/2010/main" val="0"/>
+              </a:ext>
+            </a:extLst>
+          </a:blip>
+          <a:stretch>
+            <a:fillRect/>
+          </a:stretch>
+        </p:blipFill>
+        <p:spPr>
+          <a:xfrm>
+            <a:off x="2212563" y="1846263"/>
+            <a:ext cx="7827200" cy="4022725"/>
+          </a:xfrm>
+        </p:spPr>
+      </p:pic>
     </p:spTree>
     <p:extLst>
       <p:ext uri="{BB962C8B-B14F-4D97-AF65-F5344CB8AC3E}">
-        <p14:creationId xmlns:p14="http://schemas.microsoft.com/office/powerpoint/2010/main" val="1945959662"/>
+        <p14:creationId xmlns:p14="http://schemas.microsoft.com/office/powerpoint/2010/main" val="3277169153"/>
+      </p:ext>
+    </p:extLst>
+  </p:cSld>
+  <p:clrMapOvr>
+    <a:masterClrMapping/>
+  </p:clrMapOvr>
+</p:sld>
+</file>
+
+<file path=ppt/slides/slide14.xml><?xml version="1.0" encoding="utf-8"?>
+<p:sld xmlns:a="http://schemas.openxmlformats.org/drawingml/2006/main" xmlns:r="http://schemas.openxmlformats.org/officeDocument/2006/relationships" xmlns:p="http://schemas.openxmlformats.org/presentationml/2006/main">
+  <p:cSld>
+    <p:spTree>
+      <p:nvGrpSpPr>
+        <p:cNvPr id="1" name=""/>
+        <p:cNvGrpSpPr/>
+        <p:nvPr/>
+      </p:nvGrpSpPr>
+      <p:grpSpPr>
+        <a:xfrm>
+          <a:off x="0" y="0"/>
+          <a:ext cx="0" cy="0"/>
+          <a:chOff x="0" y="0"/>
+          <a:chExt cx="0" cy="0"/>
+        </a:xfrm>
+      </p:grpSpPr>
+      <p:sp>
+        <p:nvSpPr>
+          <p:cNvPr id="5" name="Titolo 4">
+            <a:extLst>
+              <a:ext uri="{FF2B5EF4-FFF2-40B4-BE49-F238E27FC236}">
+                <a16:creationId xmlns:a16="http://schemas.microsoft.com/office/drawing/2014/main" id="{B2799EA3-CD59-4B64-A5FE-19E79056006D}"/>
+              </a:ext>
+            </a:extLst>
+          </p:cNvPr>
+          <p:cNvSpPr>
+            <a:spLocks noGrp="1"/>
+          </p:cNvSpPr>
+          <p:nvPr>
+            <p:ph type="title"/>
+          </p:nvPr>
+        </p:nvSpPr>
+        <p:spPr>
+          <a:xfrm>
+            <a:off x="1066800" y="381663"/>
+            <a:ext cx="10058400" cy="1021743"/>
+          </a:xfrm>
+        </p:spPr>
+        <p:txBody>
+          <a:bodyPr>
+            <a:normAutofit fontScale="90000"/>
+          </a:bodyPr>
+          <a:lstStyle/>
+          <a:p>
+            <a:r>
+              <a:rPr lang="it-IT" b="1" dirty="0">
+                <a:solidFill>
+                  <a:schemeClr val="accent1"/>
+                </a:solidFill>
+              </a:rPr>
+              <a:t>Confronto tra i metodi senza random </a:t>
+            </a:r>
+            <a:r>
+              <a:rPr lang="it-IT" b="1" dirty="0" err="1">
+                <a:solidFill>
+                  <a:schemeClr val="accent1"/>
+                </a:solidFill>
+              </a:rPr>
+              <a:t>walks</a:t>
+            </a:r>
+            <a:endParaRPr lang="it-IT" b="1" dirty="0">
+              <a:solidFill>
+                <a:schemeClr val="accent1"/>
+              </a:solidFill>
+            </a:endParaRPr>
+          </a:p>
+        </p:txBody>
+      </p:sp>
+      <p:pic>
+        <p:nvPicPr>
+          <p:cNvPr id="4" name="Segnaposto contenuto 3">
+            <a:extLst>
+              <a:ext uri="{FF2B5EF4-FFF2-40B4-BE49-F238E27FC236}">
+                <a16:creationId xmlns:a16="http://schemas.microsoft.com/office/drawing/2014/main" id="{78BD5325-AFF7-4F27-8DCB-A52DCAD6BDE9}"/>
+              </a:ext>
+            </a:extLst>
+          </p:cNvPr>
+          <p:cNvPicPr>
+            <a:picLocks noGrp="1" noChangeAspect="1"/>
+          </p:cNvPicPr>
+          <p:nvPr>
+            <p:ph idx="1"/>
+          </p:nvPr>
+        </p:nvPicPr>
+        <p:blipFill>
+          <a:blip r:embed="rId2">
+            <a:extLst>
+              <a:ext uri="{28A0092B-C50C-407E-A947-70E740481C1C}">
+                <a14:useLocalDpi xmlns:a14="http://schemas.microsoft.com/office/drawing/2010/main" val="0"/>
+              </a:ext>
+            </a:extLst>
+          </a:blip>
+          <a:stretch>
+            <a:fillRect/>
+          </a:stretch>
+        </p:blipFill>
+        <p:spPr>
+          <a:xfrm>
+            <a:off x="2182703" y="1846263"/>
+            <a:ext cx="7886919" cy="4022725"/>
+          </a:xfrm>
+        </p:spPr>
+      </p:pic>
+    </p:spTree>
+    <p:extLst>
+      <p:ext uri="{BB962C8B-B14F-4D97-AF65-F5344CB8AC3E}">
+        <p14:creationId xmlns:p14="http://schemas.microsoft.com/office/powerpoint/2010/main" val="643476379"/>
       </p:ext>
     </p:extLst>
   </p:cSld>
@@ -10502,7 +10386,7 @@
                   <a:schemeClr val="tx1"/>
                 </a:solidFill>
               </a:rPr>
-              <a:t>, non abbiamo un concetto si stato </a:t>
+              <a:t>, non abbiamo un concetto di stato </a:t>
             </a:r>
             <a:br>
               <a:rPr lang="it-IT" dirty="0">
@@ -10707,8 +10591,8 @@
           </a:p>
         </p:txBody>
       </p:sp>
-      <mc:AlternateContent xmlns:mc="http://schemas.openxmlformats.org/markup-compatibility/2006">
-        <mc:Choice xmlns:a14="http://schemas.microsoft.com/office/drawing/2010/main" Requires="a14">
+      <mc:AlternateContent xmlns:mc="http://schemas.openxmlformats.org/markup-compatibility/2006" xmlns:a14="http://schemas.microsoft.com/office/drawing/2010/main">
+        <mc:Choice Requires="a14">
           <p:sp>
             <p:nvSpPr>
               <p:cNvPr id="3" name="Segnaposto contenuto 2">
@@ -10884,7 +10768,7 @@
             </p:txBody>
           </p:sp>
         </mc:Choice>
-        <mc:Fallback>
+        <mc:Fallback xmlns="">
           <p:sp>
             <p:nvSpPr>
               <p:cNvPr id="3" name="Segnaposto contenuto 2">
@@ -11054,157 +10938,62 @@
           <a:chExt cx="0" cy="0"/>
         </a:xfrm>
       </p:grpSpPr>
-      <mc:AlternateContent xmlns:mc="http://schemas.openxmlformats.org/markup-compatibility/2006" xmlns:a14="http://schemas.microsoft.com/office/drawing/2010/main">
-        <mc:Choice Requires="a14">
-          <p:sp>
-            <p:nvSpPr>
-              <p:cNvPr id="5" name="Titolo 4">
-                <a:extLst>
-                  <a:ext uri="{FF2B5EF4-FFF2-40B4-BE49-F238E27FC236}">
-                    <a16:creationId xmlns:a16="http://schemas.microsoft.com/office/drawing/2014/main" id="{B2799EA3-CD59-4B64-A5FE-19E79056006D}"/>
-                  </a:ext>
-                </a:extLst>
-              </p:cNvPr>
-              <p:cNvSpPr>
-                <a:spLocks noGrp="1"/>
-              </p:cNvSpPr>
-              <p:nvPr>
-                <p:ph type="title"/>
-              </p:nvPr>
-            </p:nvSpPr>
-            <p:spPr>
-              <a:xfrm>
-                <a:off x="1066800" y="381663"/>
-                <a:ext cx="10058400" cy="1021743"/>
-              </a:xfrm>
-            </p:spPr>
-            <p:txBody>
-              <a:bodyPr/>
-              <a:lstStyle/>
-              <a:p>
-                <a:pPr/>
-                <a14:m>
-                  <m:oMathPara xmlns:m="http://schemas.openxmlformats.org/officeDocument/2006/math">
-                    <m:oMathParaPr>
-                      <m:jc m:val="centerGroup"/>
-                    </m:oMathParaPr>
-                    <m:oMath xmlns:m="http://schemas.openxmlformats.org/officeDocument/2006/math">
-                      <m:r>
-                        <a:rPr lang="it-IT" b="0" i="1" smtClean="0">
-                          <a:solidFill>
-                            <a:schemeClr val="accent1"/>
-                          </a:solidFill>
-                          <a:latin typeface="Cambria Math" panose="02040503050406030204" pitchFamily="18" charset="0"/>
-                        </a:rPr>
-                        <m:t>𝜖</m:t>
-                      </m:r>
-                      <m:r>
-                        <a:rPr lang="it-IT" b="0" i="1" smtClean="0">
-                          <a:solidFill>
-                            <a:schemeClr val="accent1"/>
-                          </a:solidFill>
-                          <a:latin typeface="Cambria Math" panose="02040503050406030204" pitchFamily="18" charset="0"/>
-                        </a:rPr>
-                        <m:t>=0,05  </m:t>
-                      </m:r>
-                      <m:r>
-                        <a:rPr lang="it-IT" b="0" i="1" smtClean="0">
-                          <a:solidFill>
-                            <a:schemeClr val="accent1"/>
-                          </a:solidFill>
-                          <a:latin typeface="Cambria Math" panose="02040503050406030204" pitchFamily="18" charset="0"/>
-                        </a:rPr>
-                        <m:t>𝛼</m:t>
-                      </m:r>
-                      <m:r>
-                        <a:rPr lang="it-IT" b="0" i="1" smtClean="0">
-                          <a:solidFill>
-                            <a:schemeClr val="accent1"/>
-                          </a:solidFill>
-                          <a:latin typeface="Cambria Math" panose="02040503050406030204" pitchFamily="18" charset="0"/>
-                        </a:rPr>
-                        <m:t>=0,1  </m:t>
-                      </m:r>
-                      <m:r>
-                        <a:rPr lang="it-IT" b="0" i="1" smtClean="0">
-                          <a:solidFill>
-                            <a:schemeClr val="accent1"/>
-                          </a:solidFill>
-                          <a:latin typeface="Cambria Math" panose="02040503050406030204" pitchFamily="18" charset="0"/>
-                        </a:rPr>
-                        <m:t>𝑐</m:t>
-                      </m:r>
-                      <m:r>
-                        <a:rPr lang="it-IT" b="0" i="1" smtClean="0">
-                          <a:solidFill>
-                            <a:schemeClr val="accent1"/>
-                          </a:solidFill>
-                          <a:latin typeface="Cambria Math" panose="02040503050406030204" pitchFamily="18" charset="0"/>
-                        </a:rPr>
-                        <m:t>=1</m:t>
-                      </m:r>
-                    </m:oMath>
-                  </m:oMathPara>
-                </a14:m>
-                <a:endParaRPr lang="it-IT" dirty="0">
-                  <a:solidFill>
-                    <a:schemeClr val="accent1"/>
-                  </a:solidFill>
-                </a:endParaRPr>
-              </a:p>
-            </p:txBody>
-          </p:sp>
-        </mc:Choice>
-        <mc:Fallback xmlns="">
-          <p:sp>
-            <p:nvSpPr>
-              <p:cNvPr id="5" name="Titolo 4">
-                <a:extLst>
-                  <a:ext uri="{FF2B5EF4-FFF2-40B4-BE49-F238E27FC236}">
-                    <a16:creationId xmlns:a16="http://schemas.microsoft.com/office/drawing/2014/main" id="{B2799EA3-CD59-4B64-A5FE-19E79056006D}"/>
-                  </a:ext>
-                </a:extLst>
-              </p:cNvPr>
-              <p:cNvSpPr>
-                <a:spLocks noGrp="1" noRot="1" noChangeAspect="1" noMove="1" noResize="1" noEditPoints="1" noAdjustHandles="1" noChangeArrowheads="1" noChangeShapeType="1" noTextEdit="1"/>
-              </p:cNvSpPr>
-              <p:nvPr>
-                <p:ph type="title"/>
-              </p:nvPr>
-            </p:nvSpPr>
-            <p:spPr>
-              <a:xfrm>
-                <a:off x="1066800" y="381663"/>
-                <a:ext cx="10058400" cy="1021743"/>
-              </a:xfrm>
-              <a:blipFill>
-                <a:blip r:embed="rId2"/>
-                <a:stretch>
-                  <a:fillRect/>
-                </a:stretch>
-              </a:blipFill>
-            </p:spPr>
-            <p:txBody>
-              <a:bodyPr/>
-              <a:lstStyle/>
-              <a:p>
-                <a:r>
-                  <a:rPr lang="it-IT">
-                    <a:noFill/>
-                  </a:rPr>
-                  <a:t> </a:t>
-                </a:r>
-              </a:p>
-            </p:txBody>
-          </p:sp>
-        </mc:Fallback>
-      </mc:AlternateContent>
+      <p:sp>
+        <p:nvSpPr>
+          <p:cNvPr id="5" name="Titolo 4">
+            <a:extLst>
+              <a:ext uri="{FF2B5EF4-FFF2-40B4-BE49-F238E27FC236}">
+                <a16:creationId xmlns:a16="http://schemas.microsoft.com/office/drawing/2014/main" id="{B2799EA3-CD59-4B64-A5FE-19E79056006D}"/>
+              </a:ext>
+            </a:extLst>
+          </p:cNvPr>
+          <p:cNvSpPr>
+            <a:spLocks noGrp="1"/>
+          </p:cNvSpPr>
+          <p:nvPr>
+            <p:ph type="title"/>
+          </p:nvPr>
+        </p:nvSpPr>
+        <p:spPr>
+          <a:xfrm>
+            <a:off x="1066800" y="381663"/>
+            <a:ext cx="10058400" cy="1021743"/>
+          </a:xfrm>
+        </p:spPr>
+        <p:txBody>
+          <a:bodyPr/>
+          <a:lstStyle/>
+          <a:p>
+            <a:r>
+              <a:rPr lang="it-IT" b="1" dirty="0">
+                <a:solidFill>
+                  <a:schemeClr val="accent1"/>
+                </a:solidFill>
+              </a:rPr>
+              <a:t>Sample </a:t>
+            </a:r>
+            <a:r>
+              <a:rPr lang="it-IT" b="1" dirty="0" err="1">
+                <a:solidFill>
+                  <a:schemeClr val="accent1"/>
+                </a:solidFill>
+              </a:rPr>
+              <a:t>Average</a:t>
+            </a:r>
+            <a:endParaRPr lang="it-IT" b="1" dirty="0">
+              <a:solidFill>
+                <a:schemeClr val="accent1"/>
+              </a:solidFill>
+            </a:endParaRPr>
+          </a:p>
+        </p:txBody>
+      </p:sp>
       <p:pic>
         <p:nvPicPr>
-          <p:cNvPr id="4" name="Segnaposto contenuto 3">
+          <p:cNvPr id="8" name="Segnaposto contenuto 7">
             <a:extLst>
               <a:ext uri="{FF2B5EF4-FFF2-40B4-BE49-F238E27FC236}">
-                <a16:creationId xmlns:a16="http://schemas.microsoft.com/office/drawing/2014/main" id="{B852672A-2250-41D1-BE5F-511A78D2D038}"/>
+                <a16:creationId xmlns:a16="http://schemas.microsoft.com/office/drawing/2014/main" id="{9107BEFA-6F20-4354-9D13-7178CA0563E5}"/>
               </a:ext>
             </a:extLst>
           </p:cNvPr>
@@ -11216,7 +11005,7 @@
           </p:nvPr>
         </p:nvPicPr>
         <p:blipFill>
-          <a:blip r:embed="rId3">
+          <a:blip r:embed="rId2">
             <a:extLst>
               <a:ext uri="{28A0092B-C50C-407E-A947-70E740481C1C}">
                 <a14:useLocalDpi xmlns:a14="http://schemas.microsoft.com/office/drawing/2010/main" val="0"/>
@@ -11229,8 +11018,8 @@
         </p:blipFill>
         <p:spPr>
           <a:xfrm>
-            <a:off x="1237509" y="1960081"/>
-            <a:ext cx="9777307" cy="3795089"/>
+            <a:off x="2234722" y="1846263"/>
+            <a:ext cx="7782882" cy="4022725"/>
           </a:xfrm>
         </p:spPr>
       </p:pic>
@@ -11264,157 +11053,62 @@
           <a:chExt cx="0" cy="0"/>
         </a:xfrm>
       </p:grpSpPr>
-      <mc:AlternateContent xmlns:mc="http://schemas.openxmlformats.org/markup-compatibility/2006" xmlns:a14="http://schemas.microsoft.com/office/drawing/2010/main">
-        <mc:Choice Requires="a14">
-          <p:sp>
-            <p:nvSpPr>
-              <p:cNvPr id="5" name="Titolo 4">
-                <a:extLst>
-                  <a:ext uri="{FF2B5EF4-FFF2-40B4-BE49-F238E27FC236}">
-                    <a16:creationId xmlns:a16="http://schemas.microsoft.com/office/drawing/2014/main" id="{B2799EA3-CD59-4B64-A5FE-19E79056006D}"/>
-                  </a:ext>
-                </a:extLst>
-              </p:cNvPr>
-              <p:cNvSpPr>
-                <a:spLocks noGrp="1"/>
-              </p:cNvSpPr>
-              <p:nvPr>
-                <p:ph type="title"/>
-              </p:nvPr>
-            </p:nvSpPr>
-            <p:spPr>
-              <a:xfrm>
-                <a:off x="1066800" y="381663"/>
-                <a:ext cx="10058400" cy="1021743"/>
-              </a:xfrm>
-            </p:spPr>
-            <p:txBody>
-              <a:bodyPr/>
-              <a:lstStyle/>
-              <a:p>
-                <a:pPr/>
-                <a14:m>
-                  <m:oMathPara xmlns:m="http://schemas.openxmlformats.org/officeDocument/2006/math">
-                    <m:oMathParaPr>
-                      <m:jc m:val="centerGroup"/>
-                    </m:oMathParaPr>
-                    <m:oMath xmlns:m="http://schemas.openxmlformats.org/officeDocument/2006/math">
-                      <m:r>
-                        <a:rPr lang="it-IT" b="0" i="1" smtClean="0">
-                          <a:solidFill>
-                            <a:schemeClr val="accent1"/>
-                          </a:solidFill>
-                          <a:latin typeface="Cambria Math" panose="02040503050406030204" pitchFamily="18" charset="0"/>
-                        </a:rPr>
-                        <m:t>𝜖</m:t>
-                      </m:r>
-                      <m:r>
-                        <a:rPr lang="it-IT" b="0" i="1" smtClean="0">
-                          <a:solidFill>
-                            <a:schemeClr val="accent1"/>
-                          </a:solidFill>
-                          <a:latin typeface="Cambria Math" panose="02040503050406030204" pitchFamily="18" charset="0"/>
-                        </a:rPr>
-                        <m:t>=0,1  </m:t>
-                      </m:r>
-                      <m:r>
-                        <a:rPr lang="it-IT" b="0" i="1" smtClean="0">
-                          <a:solidFill>
-                            <a:schemeClr val="accent1"/>
-                          </a:solidFill>
-                          <a:latin typeface="Cambria Math" panose="02040503050406030204" pitchFamily="18" charset="0"/>
-                        </a:rPr>
-                        <m:t>𝛼</m:t>
-                      </m:r>
-                      <m:r>
-                        <a:rPr lang="it-IT" b="0" i="1" smtClean="0">
-                          <a:solidFill>
-                            <a:schemeClr val="accent1"/>
-                          </a:solidFill>
-                          <a:latin typeface="Cambria Math" panose="02040503050406030204" pitchFamily="18" charset="0"/>
-                        </a:rPr>
-                        <m:t>=0,1  </m:t>
-                      </m:r>
-                      <m:r>
-                        <a:rPr lang="it-IT" b="0" i="1" smtClean="0">
-                          <a:solidFill>
-                            <a:schemeClr val="accent1"/>
-                          </a:solidFill>
-                          <a:latin typeface="Cambria Math" panose="02040503050406030204" pitchFamily="18" charset="0"/>
-                        </a:rPr>
-                        <m:t>𝑐</m:t>
-                      </m:r>
-                      <m:r>
-                        <a:rPr lang="it-IT" b="0" i="1" smtClean="0">
-                          <a:solidFill>
-                            <a:schemeClr val="accent1"/>
-                          </a:solidFill>
-                          <a:latin typeface="Cambria Math" panose="02040503050406030204" pitchFamily="18" charset="0"/>
-                        </a:rPr>
-                        <m:t>=1</m:t>
-                      </m:r>
-                    </m:oMath>
-                  </m:oMathPara>
-                </a14:m>
-                <a:endParaRPr lang="it-IT" dirty="0">
-                  <a:solidFill>
-                    <a:schemeClr val="accent1"/>
-                  </a:solidFill>
-                </a:endParaRPr>
-              </a:p>
-            </p:txBody>
-          </p:sp>
-        </mc:Choice>
-        <mc:Fallback xmlns="">
-          <p:sp>
-            <p:nvSpPr>
-              <p:cNvPr id="5" name="Titolo 4">
-                <a:extLst>
-                  <a:ext uri="{FF2B5EF4-FFF2-40B4-BE49-F238E27FC236}">
-                    <a16:creationId xmlns:a16="http://schemas.microsoft.com/office/drawing/2014/main" id="{B2799EA3-CD59-4B64-A5FE-19E79056006D}"/>
-                  </a:ext>
-                </a:extLst>
-              </p:cNvPr>
-              <p:cNvSpPr>
-                <a:spLocks noGrp="1" noRot="1" noChangeAspect="1" noMove="1" noResize="1" noEditPoints="1" noAdjustHandles="1" noChangeArrowheads="1" noChangeShapeType="1" noTextEdit="1"/>
-              </p:cNvSpPr>
-              <p:nvPr>
-                <p:ph type="title"/>
-              </p:nvPr>
-            </p:nvSpPr>
-            <p:spPr>
-              <a:xfrm>
-                <a:off x="1066800" y="381663"/>
-                <a:ext cx="10058400" cy="1021743"/>
-              </a:xfrm>
-              <a:blipFill>
-                <a:blip r:embed="rId2"/>
-                <a:stretch>
-                  <a:fillRect/>
-                </a:stretch>
-              </a:blipFill>
-            </p:spPr>
-            <p:txBody>
-              <a:bodyPr/>
-              <a:lstStyle/>
-              <a:p>
-                <a:r>
-                  <a:rPr lang="it-IT">
-                    <a:noFill/>
-                  </a:rPr>
-                  <a:t> </a:t>
-                </a:r>
-              </a:p>
-            </p:txBody>
-          </p:sp>
-        </mc:Fallback>
-      </mc:AlternateContent>
+      <p:sp>
+        <p:nvSpPr>
+          <p:cNvPr id="5" name="Titolo 4">
+            <a:extLst>
+              <a:ext uri="{FF2B5EF4-FFF2-40B4-BE49-F238E27FC236}">
+                <a16:creationId xmlns:a16="http://schemas.microsoft.com/office/drawing/2014/main" id="{B2799EA3-CD59-4B64-A5FE-19E79056006D}"/>
+              </a:ext>
+            </a:extLst>
+          </p:cNvPr>
+          <p:cNvSpPr>
+            <a:spLocks noGrp="1"/>
+          </p:cNvSpPr>
+          <p:nvPr>
+            <p:ph type="title"/>
+          </p:nvPr>
+        </p:nvSpPr>
+        <p:spPr>
+          <a:xfrm>
+            <a:off x="1066800" y="381663"/>
+            <a:ext cx="10058400" cy="1021743"/>
+          </a:xfrm>
+        </p:spPr>
+        <p:txBody>
+          <a:bodyPr/>
+          <a:lstStyle/>
+          <a:p>
+            <a:r>
+              <a:rPr lang="it-IT" b="1" dirty="0">
+                <a:solidFill>
+                  <a:schemeClr val="accent1"/>
+                </a:solidFill>
+              </a:rPr>
+              <a:t>Sample </a:t>
+            </a:r>
+            <a:r>
+              <a:rPr lang="it-IT" b="1" dirty="0" err="1">
+                <a:solidFill>
+                  <a:schemeClr val="accent1"/>
+                </a:solidFill>
+              </a:rPr>
+              <a:t>Average</a:t>
+            </a:r>
+            <a:endParaRPr lang="it-IT" b="1" dirty="0">
+              <a:solidFill>
+                <a:schemeClr val="accent1"/>
+              </a:solidFill>
+            </a:endParaRPr>
+          </a:p>
+        </p:txBody>
+      </p:sp>
       <p:pic>
         <p:nvPicPr>
-          <p:cNvPr id="7" name="Segnaposto contenuto 6">
+          <p:cNvPr id="4" name="Segnaposto contenuto 3">
             <a:extLst>
               <a:ext uri="{FF2B5EF4-FFF2-40B4-BE49-F238E27FC236}">
-                <a16:creationId xmlns:a16="http://schemas.microsoft.com/office/drawing/2014/main" id="{BEBE9AA0-ED04-4279-8E2D-FEC0CE1DFB47}"/>
+                <a16:creationId xmlns:a16="http://schemas.microsoft.com/office/drawing/2014/main" id="{210D4619-1228-4D04-A632-2FBC3503E550}"/>
               </a:ext>
             </a:extLst>
           </p:cNvPr>
@@ -11426,7 +11120,7 @@
           </p:nvPr>
         </p:nvPicPr>
         <p:blipFill>
-          <a:blip r:embed="rId3">
+          <a:blip r:embed="rId2">
             <a:extLst>
               <a:ext uri="{28A0092B-C50C-407E-A947-70E740481C1C}">
                 <a14:useLocalDpi xmlns:a14="http://schemas.microsoft.com/office/drawing/2010/main" val="0"/>
@@ -11439,15 +11133,15 @@
         </p:blipFill>
         <p:spPr>
           <a:xfrm>
-            <a:off x="1168923" y="1941029"/>
-            <a:ext cx="9914479" cy="3833192"/>
+            <a:off x="2224664" y="1846263"/>
+            <a:ext cx="7802997" cy="4022725"/>
           </a:xfrm>
         </p:spPr>
       </p:pic>
     </p:spTree>
     <p:extLst>
       <p:ext uri="{BB962C8B-B14F-4D97-AF65-F5344CB8AC3E}">
-        <p14:creationId xmlns:p14="http://schemas.microsoft.com/office/powerpoint/2010/main" val="3472720015"/>
+        <p14:creationId xmlns:p14="http://schemas.microsoft.com/office/powerpoint/2010/main" val="567405893"/>
       </p:ext>
     </p:extLst>
   </p:cSld>
@@ -11474,157 +11168,49 @@
           <a:chExt cx="0" cy="0"/>
         </a:xfrm>
       </p:grpSpPr>
-      <mc:AlternateContent xmlns:mc="http://schemas.openxmlformats.org/markup-compatibility/2006" xmlns:a14="http://schemas.microsoft.com/office/drawing/2010/main">
-        <mc:Choice Requires="a14">
-          <p:sp>
-            <p:nvSpPr>
-              <p:cNvPr id="5" name="Titolo 4">
-                <a:extLst>
-                  <a:ext uri="{FF2B5EF4-FFF2-40B4-BE49-F238E27FC236}">
-                    <a16:creationId xmlns:a16="http://schemas.microsoft.com/office/drawing/2014/main" id="{B2799EA3-CD59-4B64-A5FE-19E79056006D}"/>
-                  </a:ext>
-                </a:extLst>
-              </p:cNvPr>
-              <p:cNvSpPr>
-                <a:spLocks noGrp="1"/>
-              </p:cNvSpPr>
-              <p:nvPr>
-                <p:ph type="title"/>
-              </p:nvPr>
-            </p:nvSpPr>
-            <p:spPr>
-              <a:xfrm>
-                <a:off x="1066800" y="381663"/>
-                <a:ext cx="10058400" cy="1021743"/>
-              </a:xfrm>
-            </p:spPr>
-            <p:txBody>
-              <a:bodyPr/>
-              <a:lstStyle/>
-              <a:p>
-                <a:pPr/>
-                <a14:m>
-                  <m:oMathPara xmlns:m="http://schemas.openxmlformats.org/officeDocument/2006/math">
-                    <m:oMathParaPr>
-                      <m:jc m:val="centerGroup"/>
-                    </m:oMathParaPr>
-                    <m:oMath xmlns:m="http://schemas.openxmlformats.org/officeDocument/2006/math">
-                      <m:r>
-                        <a:rPr lang="it-IT" b="0" i="1" smtClean="0">
-                          <a:solidFill>
-                            <a:schemeClr val="accent1"/>
-                          </a:solidFill>
-                          <a:latin typeface="Cambria Math" panose="02040503050406030204" pitchFamily="18" charset="0"/>
-                        </a:rPr>
-                        <m:t>𝜖</m:t>
-                      </m:r>
-                      <m:r>
-                        <a:rPr lang="it-IT" b="0" i="1" smtClean="0">
-                          <a:solidFill>
-                            <a:schemeClr val="accent1"/>
-                          </a:solidFill>
-                          <a:latin typeface="Cambria Math" panose="02040503050406030204" pitchFamily="18" charset="0"/>
-                        </a:rPr>
-                        <m:t>=0,15  </m:t>
-                      </m:r>
-                      <m:r>
-                        <a:rPr lang="it-IT" b="0" i="1" smtClean="0">
-                          <a:solidFill>
-                            <a:schemeClr val="accent1"/>
-                          </a:solidFill>
-                          <a:latin typeface="Cambria Math" panose="02040503050406030204" pitchFamily="18" charset="0"/>
-                        </a:rPr>
-                        <m:t>𝛼</m:t>
-                      </m:r>
-                      <m:r>
-                        <a:rPr lang="it-IT" b="0" i="1" smtClean="0">
-                          <a:solidFill>
-                            <a:schemeClr val="accent1"/>
-                          </a:solidFill>
-                          <a:latin typeface="Cambria Math" panose="02040503050406030204" pitchFamily="18" charset="0"/>
-                        </a:rPr>
-                        <m:t>=0,1  </m:t>
-                      </m:r>
-                      <m:r>
-                        <a:rPr lang="it-IT" b="0" i="1" smtClean="0">
-                          <a:solidFill>
-                            <a:schemeClr val="accent1"/>
-                          </a:solidFill>
-                          <a:latin typeface="Cambria Math" panose="02040503050406030204" pitchFamily="18" charset="0"/>
-                        </a:rPr>
-                        <m:t>𝑐</m:t>
-                      </m:r>
-                      <m:r>
-                        <a:rPr lang="it-IT" b="0" i="1" smtClean="0">
-                          <a:solidFill>
-                            <a:schemeClr val="accent1"/>
-                          </a:solidFill>
-                          <a:latin typeface="Cambria Math" panose="02040503050406030204" pitchFamily="18" charset="0"/>
-                        </a:rPr>
-                        <m:t>=1</m:t>
-                      </m:r>
-                    </m:oMath>
-                  </m:oMathPara>
-                </a14:m>
-                <a:endParaRPr lang="it-IT" dirty="0">
-                  <a:solidFill>
-                    <a:schemeClr val="accent1"/>
-                  </a:solidFill>
-                </a:endParaRPr>
-              </a:p>
-            </p:txBody>
-          </p:sp>
-        </mc:Choice>
-        <mc:Fallback xmlns="">
-          <p:sp>
-            <p:nvSpPr>
-              <p:cNvPr id="5" name="Titolo 4">
-                <a:extLst>
-                  <a:ext uri="{FF2B5EF4-FFF2-40B4-BE49-F238E27FC236}">
-                    <a16:creationId xmlns:a16="http://schemas.microsoft.com/office/drawing/2014/main" id="{B2799EA3-CD59-4B64-A5FE-19E79056006D}"/>
-                  </a:ext>
-                </a:extLst>
-              </p:cNvPr>
-              <p:cNvSpPr>
-                <a:spLocks noGrp="1" noRot="1" noChangeAspect="1" noMove="1" noResize="1" noEditPoints="1" noAdjustHandles="1" noChangeArrowheads="1" noChangeShapeType="1" noTextEdit="1"/>
-              </p:cNvSpPr>
-              <p:nvPr>
-                <p:ph type="title"/>
-              </p:nvPr>
-            </p:nvSpPr>
-            <p:spPr>
-              <a:xfrm>
-                <a:off x="1066800" y="381663"/>
-                <a:ext cx="10058400" cy="1021743"/>
-              </a:xfrm>
-              <a:blipFill>
-                <a:blip r:embed="rId2"/>
-                <a:stretch>
-                  <a:fillRect/>
-                </a:stretch>
-              </a:blipFill>
-            </p:spPr>
-            <p:txBody>
-              <a:bodyPr/>
-              <a:lstStyle/>
-              <a:p>
-                <a:r>
-                  <a:rPr lang="it-IT">
-                    <a:noFill/>
-                  </a:rPr>
-                  <a:t> </a:t>
-                </a:r>
-              </a:p>
-            </p:txBody>
-          </p:sp>
-        </mc:Fallback>
-      </mc:AlternateContent>
+      <p:sp>
+        <p:nvSpPr>
+          <p:cNvPr id="5" name="Titolo 4">
+            <a:extLst>
+              <a:ext uri="{FF2B5EF4-FFF2-40B4-BE49-F238E27FC236}">
+                <a16:creationId xmlns:a16="http://schemas.microsoft.com/office/drawing/2014/main" id="{B2799EA3-CD59-4B64-A5FE-19E79056006D}"/>
+              </a:ext>
+            </a:extLst>
+          </p:cNvPr>
+          <p:cNvSpPr>
+            <a:spLocks noGrp="1"/>
+          </p:cNvSpPr>
+          <p:nvPr>
+            <p:ph type="title"/>
+          </p:nvPr>
+        </p:nvSpPr>
+        <p:spPr>
+          <a:xfrm>
+            <a:off x="1066800" y="381663"/>
+            <a:ext cx="10058400" cy="1021743"/>
+          </a:xfrm>
+        </p:spPr>
+        <p:txBody>
+          <a:bodyPr/>
+          <a:lstStyle/>
+          <a:p>
+            <a:r>
+              <a:rPr lang="it-IT" b="1" dirty="0">
+                <a:solidFill>
+                  <a:schemeClr val="accent1"/>
+                </a:solidFill>
+              </a:rPr>
+              <a:t>Constant Step Size</a:t>
+            </a:r>
+          </a:p>
+        </p:txBody>
+      </p:sp>
       <p:pic>
         <p:nvPicPr>
-          <p:cNvPr id="4" name="Segnaposto contenuto 3">
+          <p:cNvPr id="6" name="Segnaposto contenuto 5">
             <a:extLst>
               <a:ext uri="{FF2B5EF4-FFF2-40B4-BE49-F238E27FC236}">
-                <a16:creationId xmlns:a16="http://schemas.microsoft.com/office/drawing/2014/main" id="{EF49ECEB-3866-4962-AF5D-4B69FB54B69A}"/>
+                <a16:creationId xmlns:a16="http://schemas.microsoft.com/office/drawing/2014/main" id="{E936C4FE-1A62-4105-8DF5-3D2E60B4D9E9}"/>
               </a:ext>
             </a:extLst>
           </p:cNvPr>
@@ -11636,7 +11222,7 @@
           </p:nvPr>
         </p:nvPicPr>
         <p:blipFill>
-          <a:blip r:embed="rId3">
+          <a:blip r:embed="rId2">
             <a:extLst>
               <a:ext uri="{28A0092B-C50C-407E-A947-70E740481C1C}">
                 <a14:useLocalDpi xmlns:a14="http://schemas.microsoft.com/office/drawing/2010/main" val="0"/>
@@ -11649,15 +11235,15 @@
         </p:blipFill>
         <p:spPr>
           <a:xfrm>
-            <a:off x="1222268" y="1941029"/>
-            <a:ext cx="9807790" cy="3833192"/>
+            <a:off x="2242153" y="1846263"/>
+            <a:ext cx="7768020" cy="4022725"/>
           </a:xfrm>
         </p:spPr>
       </p:pic>
     </p:spTree>
     <p:extLst>
       <p:ext uri="{BB962C8B-B14F-4D97-AF65-F5344CB8AC3E}">
-        <p14:creationId xmlns:p14="http://schemas.microsoft.com/office/powerpoint/2010/main" val="1883097795"/>
+        <p14:creationId xmlns:p14="http://schemas.microsoft.com/office/powerpoint/2010/main" val="1525239065"/>
       </p:ext>
     </p:extLst>
   </p:cSld>
@@ -11684,157 +11270,49 @@
           <a:chExt cx="0" cy="0"/>
         </a:xfrm>
       </p:grpSpPr>
-      <mc:AlternateContent xmlns:mc="http://schemas.openxmlformats.org/markup-compatibility/2006" xmlns:a14="http://schemas.microsoft.com/office/drawing/2010/main">
-        <mc:Choice Requires="a14">
-          <p:sp>
-            <p:nvSpPr>
-              <p:cNvPr id="5" name="Titolo 4">
-                <a:extLst>
-                  <a:ext uri="{FF2B5EF4-FFF2-40B4-BE49-F238E27FC236}">
-                    <a16:creationId xmlns:a16="http://schemas.microsoft.com/office/drawing/2014/main" id="{B2799EA3-CD59-4B64-A5FE-19E79056006D}"/>
-                  </a:ext>
-                </a:extLst>
-              </p:cNvPr>
-              <p:cNvSpPr>
-                <a:spLocks noGrp="1"/>
-              </p:cNvSpPr>
-              <p:nvPr>
-                <p:ph type="title"/>
-              </p:nvPr>
-            </p:nvSpPr>
-            <p:spPr>
-              <a:xfrm>
-                <a:off x="1066800" y="381663"/>
-                <a:ext cx="10058400" cy="1021743"/>
-              </a:xfrm>
-            </p:spPr>
-            <p:txBody>
-              <a:bodyPr/>
-              <a:lstStyle/>
-              <a:p>
-                <a:pPr/>
-                <a14:m>
-                  <m:oMathPara xmlns:m="http://schemas.openxmlformats.org/officeDocument/2006/math">
-                    <m:oMathParaPr>
-                      <m:jc m:val="centerGroup"/>
-                    </m:oMathParaPr>
-                    <m:oMath xmlns:m="http://schemas.openxmlformats.org/officeDocument/2006/math">
-                      <m:r>
-                        <a:rPr lang="it-IT" b="0" i="1" smtClean="0">
-                          <a:solidFill>
-                            <a:schemeClr val="accent1"/>
-                          </a:solidFill>
-                          <a:latin typeface="Cambria Math" panose="02040503050406030204" pitchFamily="18" charset="0"/>
-                        </a:rPr>
-                        <m:t>𝜖</m:t>
-                      </m:r>
-                      <m:r>
-                        <a:rPr lang="it-IT" b="0" i="1" smtClean="0">
-                          <a:solidFill>
-                            <a:schemeClr val="accent1"/>
-                          </a:solidFill>
-                          <a:latin typeface="Cambria Math" panose="02040503050406030204" pitchFamily="18" charset="0"/>
-                        </a:rPr>
-                        <m:t>=0,2  </m:t>
-                      </m:r>
-                      <m:r>
-                        <a:rPr lang="it-IT" b="0" i="1" smtClean="0">
-                          <a:solidFill>
-                            <a:schemeClr val="accent1"/>
-                          </a:solidFill>
-                          <a:latin typeface="Cambria Math" panose="02040503050406030204" pitchFamily="18" charset="0"/>
-                        </a:rPr>
-                        <m:t>𝛼</m:t>
-                      </m:r>
-                      <m:r>
-                        <a:rPr lang="it-IT" b="0" i="1" smtClean="0">
-                          <a:solidFill>
-                            <a:schemeClr val="accent1"/>
-                          </a:solidFill>
-                          <a:latin typeface="Cambria Math" panose="02040503050406030204" pitchFamily="18" charset="0"/>
-                        </a:rPr>
-                        <m:t>=0,1  </m:t>
-                      </m:r>
-                      <m:r>
-                        <a:rPr lang="it-IT" b="0" i="1" smtClean="0">
-                          <a:solidFill>
-                            <a:schemeClr val="accent1"/>
-                          </a:solidFill>
-                          <a:latin typeface="Cambria Math" panose="02040503050406030204" pitchFamily="18" charset="0"/>
-                        </a:rPr>
-                        <m:t>𝑐</m:t>
-                      </m:r>
-                      <m:r>
-                        <a:rPr lang="it-IT" b="0" i="1" smtClean="0">
-                          <a:solidFill>
-                            <a:schemeClr val="accent1"/>
-                          </a:solidFill>
-                          <a:latin typeface="Cambria Math" panose="02040503050406030204" pitchFamily="18" charset="0"/>
-                        </a:rPr>
-                        <m:t>=1</m:t>
-                      </m:r>
-                    </m:oMath>
-                  </m:oMathPara>
-                </a14:m>
-                <a:endParaRPr lang="it-IT" dirty="0">
-                  <a:solidFill>
-                    <a:schemeClr val="accent1"/>
-                  </a:solidFill>
-                </a:endParaRPr>
-              </a:p>
-            </p:txBody>
-          </p:sp>
-        </mc:Choice>
-        <mc:Fallback xmlns="">
-          <p:sp>
-            <p:nvSpPr>
-              <p:cNvPr id="5" name="Titolo 4">
-                <a:extLst>
-                  <a:ext uri="{FF2B5EF4-FFF2-40B4-BE49-F238E27FC236}">
-                    <a16:creationId xmlns:a16="http://schemas.microsoft.com/office/drawing/2014/main" id="{B2799EA3-CD59-4B64-A5FE-19E79056006D}"/>
-                  </a:ext>
-                </a:extLst>
-              </p:cNvPr>
-              <p:cNvSpPr>
-                <a:spLocks noGrp="1" noRot="1" noChangeAspect="1" noMove="1" noResize="1" noEditPoints="1" noAdjustHandles="1" noChangeArrowheads="1" noChangeShapeType="1" noTextEdit="1"/>
-              </p:cNvSpPr>
-              <p:nvPr>
-                <p:ph type="title"/>
-              </p:nvPr>
-            </p:nvSpPr>
-            <p:spPr>
-              <a:xfrm>
-                <a:off x="1066800" y="381663"/>
-                <a:ext cx="10058400" cy="1021743"/>
-              </a:xfrm>
-              <a:blipFill>
-                <a:blip r:embed="rId2"/>
-                <a:stretch>
-                  <a:fillRect/>
-                </a:stretch>
-              </a:blipFill>
-            </p:spPr>
-            <p:txBody>
-              <a:bodyPr/>
-              <a:lstStyle/>
-              <a:p>
-                <a:r>
-                  <a:rPr lang="it-IT">
-                    <a:noFill/>
-                  </a:rPr>
-                  <a:t> </a:t>
-                </a:r>
-              </a:p>
-            </p:txBody>
-          </p:sp>
-        </mc:Fallback>
-      </mc:AlternateContent>
+      <p:sp>
+        <p:nvSpPr>
+          <p:cNvPr id="5" name="Titolo 4">
+            <a:extLst>
+              <a:ext uri="{FF2B5EF4-FFF2-40B4-BE49-F238E27FC236}">
+                <a16:creationId xmlns:a16="http://schemas.microsoft.com/office/drawing/2014/main" id="{B2799EA3-CD59-4B64-A5FE-19E79056006D}"/>
+              </a:ext>
+            </a:extLst>
+          </p:cNvPr>
+          <p:cNvSpPr>
+            <a:spLocks noGrp="1"/>
+          </p:cNvSpPr>
+          <p:nvPr>
+            <p:ph type="title"/>
+          </p:nvPr>
+        </p:nvSpPr>
+        <p:spPr>
+          <a:xfrm>
+            <a:off x="1066800" y="381663"/>
+            <a:ext cx="10058400" cy="1021743"/>
+          </a:xfrm>
+        </p:spPr>
+        <p:txBody>
+          <a:bodyPr/>
+          <a:lstStyle/>
+          <a:p>
+            <a:r>
+              <a:rPr lang="it-IT" b="1" dirty="0">
+                <a:solidFill>
+                  <a:schemeClr val="accent1"/>
+                </a:solidFill>
+              </a:rPr>
+              <a:t>Constant Step Size</a:t>
+            </a:r>
+          </a:p>
+        </p:txBody>
+      </p:sp>
       <p:pic>
         <p:nvPicPr>
           <p:cNvPr id="4" name="Segnaposto contenuto 3">
             <a:extLst>
               <a:ext uri="{FF2B5EF4-FFF2-40B4-BE49-F238E27FC236}">
-                <a16:creationId xmlns:a16="http://schemas.microsoft.com/office/drawing/2014/main" id="{961ACE23-650D-4529-A6C4-10BFABED5312}"/>
+                <a16:creationId xmlns:a16="http://schemas.microsoft.com/office/drawing/2014/main" id="{CDABCABE-0CAC-4AFE-8BC1-A14B284FE094}"/>
               </a:ext>
             </a:extLst>
           </p:cNvPr>
@@ -11846,7 +11324,7 @@
           </p:nvPr>
         </p:nvPicPr>
         <p:blipFill>
-          <a:blip r:embed="rId3">
+          <a:blip r:embed="rId2">
             <a:extLst>
               <a:ext uri="{28A0092B-C50C-407E-A947-70E740481C1C}">
                 <a14:useLocalDpi xmlns:a14="http://schemas.microsoft.com/office/drawing/2010/main" val="0"/>
@@ -11859,15 +11337,15 @@
         </p:blipFill>
         <p:spPr>
           <a:xfrm>
-            <a:off x="1222268" y="1948650"/>
-            <a:ext cx="9807790" cy="3817951"/>
+            <a:off x="2175717" y="1846263"/>
+            <a:ext cx="7900891" cy="4022725"/>
           </a:xfrm>
         </p:spPr>
       </p:pic>
     </p:spTree>
     <p:extLst>
       <p:ext uri="{BB962C8B-B14F-4D97-AF65-F5344CB8AC3E}">
-        <p14:creationId xmlns:p14="http://schemas.microsoft.com/office/powerpoint/2010/main" val="3558148618"/>
+        <p14:creationId xmlns:p14="http://schemas.microsoft.com/office/powerpoint/2010/main" val="2243239465"/>
       </p:ext>
     </p:extLst>
   </p:cSld>
@@ -11894,229 +11372,49 @@
           <a:chExt cx="0" cy="0"/>
         </a:xfrm>
       </p:grpSpPr>
-      <mc:AlternateContent xmlns:mc="http://schemas.openxmlformats.org/markup-compatibility/2006" xmlns:a14="http://schemas.microsoft.com/office/drawing/2010/main">
-        <mc:Choice Requires="a14">
-          <p:sp>
-            <p:nvSpPr>
-              <p:cNvPr id="2" name="Titolo 1">
-                <a:extLst>
-                  <a:ext uri="{FF2B5EF4-FFF2-40B4-BE49-F238E27FC236}">
-                    <a16:creationId xmlns:a16="http://schemas.microsoft.com/office/drawing/2014/main" id="{88646F4E-589C-437A-B5CC-69A8A8C9D138}"/>
-                  </a:ext>
-                </a:extLst>
-              </p:cNvPr>
-              <p:cNvSpPr>
-                <a:spLocks noGrp="1"/>
-              </p:cNvSpPr>
-              <p:nvPr>
-                <p:ph type="title"/>
-              </p:nvPr>
-            </p:nvSpPr>
-            <p:spPr/>
-            <p:txBody>
-              <a:bodyPr/>
-              <a:lstStyle/>
-              <a:p>
-                <a:pPr/>
-                <a14:m>
-                  <m:oMathPara xmlns:m="http://schemas.openxmlformats.org/officeDocument/2006/math">
-                    <m:oMathParaPr>
-                      <m:jc m:val="centerGroup"/>
-                    </m:oMathParaPr>
-                    <m:oMath xmlns:m="http://schemas.openxmlformats.org/officeDocument/2006/math">
-                      <m:r>
-                        <a:rPr lang="it-IT" b="0" i="1" smtClean="0">
-                          <a:solidFill>
-                            <a:schemeClr val="accent1"/>
-                          </a:solidFill>
-                          <a:latin typeface="Cambria Math" panose="02040503050406030204" pitchFamily="18" charset="0"/>
-                        </a:rPr>
-                        <m:t>𝑇𝑒𝑠𝑡</m:t>
-                      </m:r>
-                      <m:r>
-                        <a:rPr lang="it-IT" b="0" i="1" smtClean="0">
-                          <a:solidFill>
-                            <a:schemeClr val="accent1"/>
-                          </a:solidFill>
-                          <a:latin typeface="Cambria Math" panose="02040503050406030204" pitchFamily="18" charset="0"/>
-                        </a:rPr>
-                        <m:t> </m:t>
-                      </m:r>
-                      <m:r>
-                        <a:rPr lang="it-IT" b="0" i="1" smtClean="0">
-                          <a:solidFill>
-                            <a:schemeClr val="accent1"/>
-                          </a:solidFill>
-                          <a:latin typeface="Cambria Math" panose="02040503050406030204" pitchFamily="18" charset="0"/>
-                        </a:rPr>
-                        <m:t>𝑐𝑜𝑛</m:t>
-                      </m:r>
-                      <m:r>
-                        <a:rPr lang="it-IT" b="0" i="1" smtClean="0">
-                          <a:solidFill>
-                            <a:schemeClr val="accent1"/>
-                          </a:solidFill>
-                          <a:latin typeface="Cambria Math" panose="02040503050406030204" pitchFamily="18" charset="0"/>
-                        </a:rPr>
-                        <m:t> </m:t>
-                      </m:r>
-                      <m:r>
-                        <a:rPr lang="it-IT" b="0" i="1" smtClean="0">
-                          <a:solidFill>
-                            <a:schemeClr val="accent1"/>
-                          </a:solidFill>
-                          <a:latin typeface="Cambria Math" panose="02040503050406030204" pitchFamily="18" charset="0"/>
-                        </a:rPr>
-                        <m:t>𝑣𝑎𝑟𝑖</m:t>
-                      </m:r>
-                      <m:r>
-                        <a:rPr lang="it-IT" b="0" i="1" smtClean="0">
-                          <a:solidFill>
-                            <a:schemeClr val="accent1"/>
-                          </a:solidFill>
-                          <a:latin typeface="Cambria Math" panose="02040503050406030204" pitchFamily="18" charset="0"/>
-                        </a:rPr>
-                        <m:t> </m:t>
-                      </m:r>
-                      <m:r>
-                        <a:rPr lang="it-IT" b="0" i="1" smtClean="0">
-                          <a:solidFill>
-                            <a:schemeClr val="accent1"/>
-                          </a:solidFill>
-                          <a:latin typeface="Cambria Math" panose="02040503050406030204" pitchFamily="18" charset="0"/>
-                        </a:rPr>
-                        <m:t>𝑣𝑎𝑙𝑜𝑟𝑖</m:t>
-                      </m:r>
-                      <m:r>
-                        <a:rPr lang="it-IT" b="0" i="1" smtClean="0">
-                          <a:solidFill>
-                            <a:schemeClr val="accent1"/>
-                          </a:solidFill>
-                          <a:latin typeface="Cambria Math" panose="02040503050406030204" pitchFamily="18" charset="0"/>
-                        </a:rPr>
-                        <m:t> </m:t>
-                      </m:r>
-                      <m:r>
-                        <a:rPr lang="it-IT" b="0" i="1" smtClean="0">
-                          <a:solidFill>
-                            <a:schemeClr val="accent1"/>
-                          </a:solidFill>
-                          <a:latin typeface="Cambria Math" panose="02040503050406030204" pitchFamily="18" charset="0"/>
-                        </a:rPr>
-                        <m:t>𝑑𝑖</m:t>
-                      </m:r>
-                      <m:r>
-                        <a:rPr lang="it-IT" b="0" i="1" smtClean="0">
-                          <a:solidFill>
-                            <a:schemeClr val="accent1"/>
-                          </a:solidFill>
-                          <a:latin typeface="Cambria Math" panose="02040503050406030204" pitchFamily="18" charset="0"/>
-                        </a:rPr>
-                        <m:t> </m:t>
-                      </m:r>
-                      <m:r>
-                        <a:rPr lang="it-IT" b="0" i="1" smtClean="0">
-                          <a:solidFill>
-                            <a:schemeClr val="accent1"/>
-                          </a:solidFill>
-                          <a:latin typeface="Cambria Math" panose="02040503050406030204" pitchFamily="18" charset="0"/>
-                        </a:rPr>
-                        <m:t>𝑐</m:t>
-                      </m:r>
-                      <m:r>
-                        <a:rPr lang="it-IT" b="0" i="1" smtClean="0">
-                          <a:solidFill>
-                            <a:schemeClr val="accent1"/>
-                          </a:solidFill>
-                          <a:latin typeface="Cambria Math" panose="02040503050406030204" pitchFamily="18" charset="0"/>
-                        </a:rPr>
-                        <m:t> </m:t>
-                      </m:r>
-                      <m:r>
-                        <a:rPr lang="it-IT" b="0" i="1" smtClean="0">
-                          <a:solidFill>
-                            <a:schemeClr val="accent1"/>
-                          </a:solidFill>
-                          <a:latin typeface="Cambria Math" panose="02040503050406030204" pitchFamily="18" charset="0"/>
-                        </a:rPr>
-                        <m:t>𝑝𝑒𝑟</m:t>
-                      </m:r>
-                      <m:r>
-                        <a:rPr lang="it-IT" b="0" i="1" smtClean="0">
-                          <a:solidFill>
-                            <a:schemeClr val="accent1"/>
-                          </a:solidFill>
-                          <a:latin typeface="Cambria Math" panose="02040503050406030204" pitchFamily="18" charset="0"/>
-                        </a:rPr>
-                        <m:t> </m:t>
-                      </m:r>
-                      <m:r>
-                        <a:rPr lang="it-IT" b="0" i="1" smtClean="0">
-                          <a:solidFill>
-                            <a:schemeClr val="accent1"/>
-                          </a:solidFill>
-                          <a:latin typeface="Cambria Math" panose="02040503050406030204" pitchFamily="18" charset="0"/>
-                        </a:rPr>
-                        <m:t>𝑈𝐶𝐵</m:t>
-                      </m:r>
-                    </m:oMath>
-                  </m:oMathPara>
-                </a14:m>
-                <a:endParaRPr lang="it-IT" dirty="0">
-                  <a:solidFill>
-                    <a:schemeClr val="accent1"/>
-                  </a:solidFill>
-                </a:endParaRPr>
-              </a:p>
-            </p:txBody>
-          </p:sp>
-        </mc:Choice>
-        <mc:Fallback xmlns="">
-          <p:sp>
-            <p:nvSpPr>
-              <p:cNvPr id="2" name="Titolo 1">
-                <a:extLst>
-                  <a:ext uri="{FF2B5EF4-FFF2-40B4-BE49-F238E27FC236}">
-                    <a16:creationId xmlns:a16="http://schemas.microsoft.com/office/drawing/2014/main" id="{88646F4E-589C-437A-B5CC-69A8A8C9D138}"/>
-                  </a:ext>
-                </a:extLst>
-              </p:cNvPr>
-              <p:cNvSpPr>
-                <a:spLocks noGrp="1" noRot="1" noChangeAspect="1" noMove="1" noResize="1" noEditPoints="1" noAdjustHandles="1" noChangeArrowheads="1" noChangeShapeType="1" noTextEdit="1"/>
-              </p:cNvSpPr>
-              <p:nvPr>
-                <p:ph type="title"/>
-              </p:nvPr>
-            </p:nvSpPr>
-            <p:spPr>
-              <a:blipFill>
-                <a:blip r:embed="rId2"/>
-                <a:stretch>
-                  <a:fillRect/>
-                </a:stretch>
-              </a:blipFill>
-            </p:spPr>
-            <p:txBody>
-              <a:bodyPr/>
-              <a:lstStyle/>
-              <a:p>
-                <a:r>
-                  <a:rPr lang="it-IT">
-                    <a:noFill/>
-                  </a:rPr>
-                  <a:t> </a:t>
-                </a:r>
-              </a:p>
-            </p:txBody>
-          </p:sp>
-        </mc:Fallback>
-      </mc:AlternateContent>
+      <p:sp>
+        <p:nvSpPr>
+          <p:cNvPr id="5" name="Titolo 4">
+            <a:extLst>
+              <a:ext uri="{FF2B5EF4-FFF2-40B4-BE49-F238E27FC236}">
+                <a16:creationId xmlns:a16="http://schemas.microsoft.com/office/drawing/2014/main" id="{B2799EA3-CD59-4B64-A5FE-19E79056006D}"/>
+              </a:ext>
+            </a:extLst>
+          </p:cNvPr>
+          <p:cNvSpPr>
+            <a:spLocks noGrp="1"/>
+          </p:cNvSpPr>
+          <p:nvPr>
+            <p:ph type="title"/>
+          </p:nvPr>
+        </p:nvSpPr>
+        <p:spPr>
+          <a:xfrm>
+            <a:off x="1066800" y="381663"/>
+            <a:ext cx="10058400" cy="1021743"/>
+          </a:xfrm>
+        </p:spPr>
+        <p:txBody>
+          <a:bodyPr/>
+          <a:lstStyle/>
+          <a:p>
+            <a:r>
+              <a:rPr lang="it-IT" b="1" dirty="0">
+                <a:solidFill>
+                  <a:schemeClr val="accent1"/>
+                </a:solidFill>
+              </a:rPr>
+              <a:t>UCB</a:t>
+            </a:r>
+          </a:p>
+        </p:txBody>
+      </p:sp>
       <p:pic>
         <p:nvPicPr>
-          <p:cNvPr id="5" name="Segnaposto contenuto 4">
+          <p:cNvPr id="4" name="Segnaposto contenuto 3">
             <a:extLst>
               <a:ext uri="{FF2B5EF4-FFF2-40B4-BE49-F238E27FC236}">
-                <a16:creationId xmlns:a16="http://schemas.microsoft.com/office/drawing/2014/main" id="{AA5DCD77-6BD9-4FA0-B226-3757C84C8A41}"/>
+                <a16:creationId xmlns:a16="http://schemas.microsoft.com/office/drawing/2014/main" id="{09DB0EAB-33D5-45A6-A652-75C1F20C5227}"/>
               </a:ext>
             </a:extLst>
           </p:cNvPr>
@@ -12128,7 +11426,7 @@
           </p:nvPr>
         </p:nvPicPr>
         <p:blipFill>
-          <a:blip r:embed="rId3">
+          <a:blip r:embed="rId2">
             <a:extLst>
               <a:ext uri="{28A0092B-C50C-407E-A947-70E740481C1C}">
                 <a14:useLocalDpi xmlns:a14="http://schemas.microsoft.com/office/drawing/2010/main" val="0"/>
@@ -12141,15 +11439,15 @@
         </p:blipFill>
         <p:spPr>
           <a:xfrm>
-            <a:off x="1222268" y="1933409"/>
-            <a:ext cx="9807790" cy="3848433"/>
+            <a:off x="2237198" y="1846263"/>
+            <a:ext cx="7777929" cy="4022725"/>
           </a:xfrm>
         </p:spPr>
       </p:pic>
     </p:spTree>
     <p:extLst>
       <p:ext uri="{BB962C8B-B14F-4D97-AF65-F5344CB8AC3E}">
-        <p14:creationId xmlns:p14="http://schemas.microsoft.com/office/powerpoint/2010/main" val="509003657"/>
+        <p14:creationId xmlns:p14="http://schemas.microsoft.com/office/powerpoint/2010/main" val="1708779385"/>
       </p:ext>
     </p:extLst>
   </p:cSld>

--- a/Presentations/Presentation_Ass1.pptx
+++ b/Presentations/Presentation_Ass1.pptx
@@ -848,7 +848,7 @@
           <a:p>
             <a:fld id="{B15EC6F6-30F3-41A1-B385-9CB91ECF5BF1}" type="datetimeFigureOut">
               <a:rPr lang="it-IT" smtClean="0"/>
-              <a:t>23/04/2022</a:t>
+              <a:t>03/05/2022</a:t>
             </a:fld>
             <a:endParaRPr lang="it-IT"/>
           </a:p>
@@ -1099,7 +1099,7 @@
           <a:p>
             <a:fld id="{B15EC6F6-30F3-41A1-B385-9CB91ECF5BF1}" type="datetimeFigureOut">
               <a:rPr lang="it-IT" smtClean="0"/>
-              <a:t>23/04/2022</a:t>
+              <a:t>03/05/2022</a:t>
             </a:fld>
             <a:endParaRPr lang="it-IT"/>
           </a:p>
@@ -1413,7 +1413,7 @@
           <a:p>
             <a:fld id="{B15EC6F6-30F3-41A1-B385-9CB91ECF5BF1}" type="datetimeFigureOut">
               <a:rPr lang="it-IT" smtClean="0"/>
-              <a:t>23/04/2022</a:t>
+              <a:t>03/05/2022</a:t>
             </a:fld>
             <a:endParaRPr lang="it-IT"/>
           </a:p>
@@ -1754,7 +1754,7 @@
           <a:p>
             <a:fld id="{B15EC6F6-30F3-41A1-B385-9CB91ECF5BF1}" type="datetimeFigureOut">
               <a:rPr lang="it-IT" smtClean="0"/>
-              <a:t>23/04/2022</a:t>
+              <a:t>03/05/2022</a:t>
             </a:fld>
             <a:endParaRPr lang="it-IT"/>
           </a:p>
@@ -2068,7 +2068,7 @@
           <a:p>
             <a:fld id="{B15EC6F6-30F3-41A1-B385-9CB91ECF5BF1}" type="datetimeFigureOut">
               <a:rPr lang="it-IT" smtClean="0"/>
-              <a:t>23/04/2022</a:t>
+              <a:t>03/05/2022</a:t>
             </a:fld>
             <a:endParaRPr lang="it-IT"/>
           </a:p>
@@ -2461,7 +2461,7 @@
           <a:p>
             <a:fld id="{B15EC6F6-30F3-41A1-B385-9CB91ECF5BF1}" type="datetimeFigureOut">
               <a:rPr lang="it-IT" smtClean="0"/>
-              <a:t>23/04/2022</a:t>
+              <a:t>03/05/2022</a:t>
             </a:fld>
             <a:endParaRPr lang="it-IT"/>
           </a:p>
@@ -2631,7 +2631,7 @@
           <a:p>
             <a:fld id="{B15EC6F6-30F3-41A1-B385-9CB91ECF5BF1}" type="datetimeFigureOut">
               <a:rPr lang="it-IT" smtClean="0"/>
-              <a:t>23/04/2022</a:t>
+              <a:t>03/05/2022</a:t>
             </a:fld>
             <a:endParaRPr lang="it-IT"/>
           </a:p>
@@ -2811,7 +2811,7 @@
           <a:p>
             <a:fld id="{B15EC6F6-30F3-41A1-B385-9CB91ECF5BF1}" type="datetimeFigureOut">
               <a:rPr lang="it-IT" smtClean="0"/>
-              <a:t>23/04/2022</a:t>
+              <a:t>03/05/2022</a:t>
             </a:fld>
             <a:endParaRPr lang="it-IT"/>
           </a:p>
@@ -3098,7 +3098,7 @@
           <a:p>
             <a:fld id="{B15EC6F6-30F3-41A1-B385-9CB91ECF5BF1}" type="datetimeFigureOut">
               <a:rPr lang="it-IT" smtClean="0"/>
-              <a:t>23/04/2022</a:t>
+              <a:t>03/05/2022</a:t>
             </a:fld>
             <a:endParaRPr lang="it-IT"/>
           </a:p>
@@ -3310,7 +3310,7 @@
           <a:p>
             <a:fld id="{B15EC6F6-30F3-41A1-B385-9CB91ECF5BF1}" type="datetimeFigureOut">
               <a:rPr lang="it-IT" smtClean="0"/>
-              <a:t>23/04/2022</a:t>
+              <a:t>03/05/2022</a:t>
             </a:fld>
             <a:endParaRPr lang="it-IT"/>
           </a:p>
@@ -3653,7 +3653,7 @@
           <a:p>
             <a:fld id="{B15EC6F6-30F3-41A1-B385-9CB91ECF5BF1}" type="datetimeFigureOut">
               <a:rPr lang="it-IT" smtClean="0"/>
-              <a:t>23/04/2022</a:t>
+              <a:t>03/05/2022</a:t>
             </a:fld>
             <a:endParaRPr lang="it-IT"/>
           </a:p>
@@ -3867,7 +3867,7 @@
           <a:p>
             <a:fld id="{B15EC6F6-30F3-41A1-B385-9CB91ECF5BF1}" type="datetimeFigureOut">
               <a:rPr lang="it-IT" smtClean="0"/>
-              <a:t>23/04/2022</a:t>
+              <a:t>03/05/2022</a:t>
             </a:fld>
             <a:endParaRPr lang="it-IT"/>
           </a:p>
@@ -4104,7 +4104,7 @@
           <a:p>
             <a:fld id="{B15EC6F6-30F3-41A1-B385-9CB91ECF5BF1}" type="datetimeFigureOut">
               <a:rPr lang="it-IT" smtClean="0"/>
-              <a:t>23/04/2022</a:t>
+              <a:t>03/05/2022</a:t>
             </a:fld>
             <a:endParaRPr lang="it-IT"/>
           </a:p>
@@ -4483,7 +4483,7 @@
           <a:p>
             <a:fld id="{B15EC6F6-30F3-41A1-B385-9CB91ECF5BF1}" type="datetimeFigureOut">
               <a:rPr lang="it-IT" smtClean="0"/>
-              <a:t>23/04/2022</a:t>
+              <a:t>03/05/2022</a:t>
             </a:fld>
             <a:endParaRPr lang="it-IT"/>
           </a:p>
@@ -4601,7 +4601,7 @@
           <a:p>
             <a:fld id="{B15EC6F6-30F3-41A1-B385-9CB91ECF5BF1}" type="datetimeFigureOut">
               <a:rPr lang="it-IT" smtClean="0"/>
-              <a:t>23/04/2022</a:t>
+              <a:t>03/05/2022</a:t>
             </a:fld>
             <a:endParaRPr lang="it-IT"/>
           </a:p>
@@ -4772,7 +4772,7 @@
           <a:p>
             <a:fld id="{B15EC6F6-30F3-41A1-B385-9CB91ECF5BF1}" type="datetimeFigureOut">
               <a:rPr lang="it-IT" smtClean="0"/>
-              <a:t>23/04/2022</a:t>
+              <a:t>03/05/2022</a:t>
             </a:fld>
             <a:endParaRPr lang="it-IT"/>
           </a:p>
@@ -5126,7 +5126,7 @@
           <a:p>
             <a:fld id="{B15EC6F6-30F3-41A1-B385-9CB91ECF5BF1}" type="datetimeFigureOut">
               <a:rPr lang="it-IT" smtClean="0"/>
-              <a:t>23/04/2022</a:t>
+              <a:t>03/05/2022</a:t>
             </a:fld>
             <a:endParaRPr lang="it-IT"/>
           </a:p>
@@ -5508,7 +5508,7 @@
           <a:p>
             <a:fld id="{B15EC6F6-30F3-41A1-B385-9CB91ECF5BF1}" type="datetimeFigureOut">
               <a:rPr lang="it-IT" smtClean="0"/>
-              <a:t>23/04/2022</a:t>
+              <a:t>03/05/2022</a:t>
             </a:fld>
             <a:endParaRPr lang="it-IT"/>
           </a:p>
@@ -5678,7 +5678,7 @@
           <a:p>
             <a:fld id="{B15EC6F6-30F3-41A1-B385-9CB91ECF5BF1}" type="datetimeFigureOut">
               <a:rPr lang="it-IT" smtClean="0"/>
-              <a:t>23/04/2022</a:t>
+              <a:t>03/05/2022</a:t>
             </a:fld>
             <a:endParaRPr lang="it-IT"/>
           </a:p>
@@ -5934,7 +5934,7 @@
           <a:p>
             <a:fld id="{B15EC6F6-30F3-41A1-B385-9CB91ECF5BF1}" type="datetimeFigureOut">
               <a:rPr lang="it-IT" smtClean="0"/>
-              <a:t>23/04/2022</a:t>
+              <a:t>03/05/2022</a:t>
             </a:fld>
             <a:endParaRPr lang="it-IT"/>
           </a:p>
@@ -6181,7 +6181,7 @@
           <a:p>
             <a:fld id="{B15EC6F6-30F3-41A1-B385-9CB91ECF5BF1}" type="datetimeFigureOut">
               <a:rPr lang="it-IT" smtClean="0"/>
-              <a:t>23/04/2022</a:t>
+              <a:t>03/05/2022</a:t>
             </a:fld>
             <a:endParaRPr lang="it-IT"/>
           </a:p>
@@ -6413,7 +6413,7 @@
           <a:p>
             <a:fld id="{B15EC6F6-30F3-41A1-B385-9CB91ECF5BF1}" type="datetimeFigureOut">
               <a:rPr lang="it-IT" smtClean="0"/>
-              <a:t>23/04/2022</a:t>
+              <a:t>03/05/2022</a:t>
             </a:fld>
             <a:endParaRPr lang="it-IT"/>
           </a:p>
@@ -6787,7 +6787,7 @@
           <a:p>
             <a:fld id="{B15EC6F6-30F3-41A1-B385-9CB91ECF5BF1}" type="datetimeFigureOut">
               <a:rPr lang="it-IT" smtClean="0"/>
-              <a:t>23/04/2022</a:t>
+              <a:t>03/05/2022</a:t>
             </a:fld>
             <a:endParaRPr lang="it-IT"/>
           </a:p>
@@ -6910,7 +6910,7 @@
           <a:p>
             <a:fld id="{B15EC6F6-30F3-41A1-B385-9CB91ECF5BF1}" type="datetimeFigureOut">
               <a:rPr lang="it-IT" smtClean="0"/>
-              <a:t>23/04/2022</a:t>
+              <a:t>03/05/2022</a:t>
             </a:fld>
             <a:endParaRPr lang="it-IT"/>
           </a:p>
@@ -7005,7 +7005,7 @@
           <a:p>
             <a:fld id="{B15EC6F6-30F3-41A1-B385-9CB91ECF5BF1}" type="datetimeFigureOut">
               <a:rPr lang="it-IT" smtClean="0"/>
-              <a:t>23/04/2022</a:t>
+              <a:t>03/05/2022</a:t>
             </a:fld>
             <a:endParaRPr lang="it-IT"/>
           </a:p>
@@ -7260,7 +7260,7 @@
           <a:p>
             <a:fld id="{B15EC6F6-30F3-41A1-B385-9CB91ECF5BF1}" type="datetimeFigureOut">
               <a:rPr lang="it-IT" smtClean="0"/>
-              <a:t>23/04/2022</a:t>
+              <a:t>03/05/2022</a:t>
             </a:fld>
             <a:endParaRPr lang="it-IT"/>
           </a:p>
@@ -7523,7 +7523,7 @@
           <a:p>
             <a:fld id="{B15EC6F6-30F3-41A1-B385-9CB91ECF5BF1}" type="datetimeFigureOut">
               <a:rPr lang="it-IT" smtClean="0"/>
-              <a:t>23/04/2022</a:t>
+              <a:t>03/05/2022</a:t>
             </a:fld>
             <a:endParaRPr lang="it-IT"/>
           </a:p>
@@ -8266,7 +8266,7 @@
           <a:p>
             <a:fld id="{B15EC6F6-30F3-41A1-B385-9CB91ECF5BF1}" type="datetimeFigureOut">
               <a:rPr lang="it-IT" smtClean="0"/>
-              <a:t>23/04/2022</a:t>
+              <a:t>03/05/2022</a:t>
             </a:fld>
             <a:endParaRPr lang="it-IT"/>
           </a:p>
@@ -8999,7 +8999,7 @@
           <a:p>
             <a:fld id="{B15EC6F6-30F3-41A1-B385-9CB91ECF5BF1}" type="datetimeFigureOut">
               <a:rPr lang="it-IT" smtClean="0"/>
-              <a:t>23/04/2022</a:t>
+              <a:t>03/05/2022</a:t>
             </a:fld>
             <a:endParaRPr lang="it-IT"/>
           </a:p>
@@ -10378,15 +10378,15 @@
                   <a:schemeClr val="tx1"/>
                 </a:solidFill>
               </a:rPr>
-              <a:t>Non associative setting</a:t>
-            </a:r>
-            <a:r>
-              <a:rPr lang="it-IT" dirty="0">
+              <a:t>Non </a:t>
+            </a:r>
+            <a:r>
+              <a:rPr lang="it-IT" b="1">
                 <a:solidFill>
                   <a:schemeClr val="tx1"/>
                 </a:solidFill>
               </a:rPr>
-              <a:t>, non abbiamo un concetto di stato </a:t>
+              <a:t>associative setting</a:t>
             </a:r>
             <a:br>
               <a:rPr lang="it-IT" dirty="0">
